--- a/Maze Router Presentation.pptx
+++ b/Maze Router Presentation.pptx
@@ -5,7 +5,7 @@
     <p:sldMasterId id="2147483660" r:id="rId4"/>
   </p:sldMasterIdLst>
   <p:notesMasterIdLst>
-    <p:notesMasterId r:id="rId40"/>
+    <p:notesMasterId r:id="rId41"/>
   </p:notesMasterIdLst>
   <p:sldIdLst>
     <p:sldId id="278" r:id="rId5"/>
@@ -16,33 +16,34 @@
     <p:sldId id="282" r:id="rId10"/>
     <p:sldId id="314" r:id="rId11"/>
     <p:sldId id="316" r:id="rId12"/>
-    <p:sldId id="285" r:id="rId13"/>
-    <p:sldId id="286" r:id="rId14"/>
-    <p:sldId id="287" r:id="rId15"/>
-    <p:sldId id="288" r:id="rId16"/>
-    <p:sldId id="289" r:id="rId17"/>
-    <p:sldId id="298" r:id="rId18"/>
-    <p:sldId id="290" r:id="rId19"/>
-    <p:sldId id="291" r:id="rId20"/>
-    <p:sldId id="292" r:id="rId21"/>
-    <p:sldId id="293" r:id="rId22"/>
-    <p:sldId id="299" r:id="rId23"/>
-    <p:sldId id="294" r:id="rId24"/>
-    <p:sldId id="295" r:id="rId25"/>
-    <p:sldId id="296" r:id="rId26"/>
-    <p:sldId id="300" r:id="rId27"/>
-    <p:sldId id="301" r:id="rId28"/>
-    <p:sldId id="302" r:id="rId29"/>
-    <p:sldId id="303" r:id="rId30"/>
-    <p:sldId id="305" r:id="rId31"/>
-    <p:sldId id="306" r:id="rId32"/>
-    <p:sldId id="304" r:id="rId33"/>
-    <p:sldId id="307" r:id="rId34"/>
-    <p:sldId id="308" r:id="rId35"/>
-    <p:sldId id="309" r:id="rId36"/>
-    <p:sldId id="312" r:id="rId37"/>
-    <p:sldId id="317" r:id="rId38"/>
-    <p:sldId id="313" r:id="rId39"/>
+    <p:sldId id="318" r:id="rId13"/>
+    <p:sldId id="285" r:id="rId14"/>
+    <p:sldId id="286" r:id="rId15"/>
+    <p:sldId id="287" r:id="rId16"/>
+    <p:sldId id="288" r:id="rId17"/>
+    <p:sldId id="289" r:id="rId18"/>
+    <p:sldId id="298" r:id="rId19"/>
+    <p:sldId id="290" r:id="rId20"/>
+    <p:sldId id="291" r:id="rId21"/>
+    <p:sldId id="292" r:id="rId22"/>
+    <p:sldId id="293" r:id="rId23"/>
+    <p:sldId id="299" r:id="rId24"/>
+    <p:sldId id="294" r:id="rId25"/>
+    <p:sldId id="295" r:id="rId26"/>
+    <p:sldId id="296" r:id="rId27"/>
+    <p:sldId id="300" r:id="rId28"/>
+    <p:sldId id="301" r:id="rId29"/>
+    <p:sldId id="302" r:id="rId30"/>
+    <p:sldId id="303" r:id="rId31"/>
+    <p:sldId id="305" r:id="rId32"/>
+    <p:sldId id="306" r:id="rId33"/>
+    <p:sldId id="304" r:id="rId34"/>
+    <p:sldId id="307" r:id="rId35"/>
+    <p:sldId id="308" r:id="rId36"/>
+    <p:sldId id="309" r:id="rId37"/>
+    <p:sldId id="312" r:id="rId38"/>
+    <p:sldId id="317" r:id="rId39"/>
+    <p:sldId id="313" r:id="rId40"/>
   </p:sldIdLst>
   <p:sldSz cx="12192000" cy="6858000"/>
   <p:notesSz cx="6858000" cy="9144000"/>
@@ -6671,25 +6672,6 @@
 <file path=ppt/slides/slide10.xml><?xml version="1.0" encoding="utf-8"?>
 <p:sld xmlns:a="http://schemas.openxmlformats.org/drawingml/2006/main" xmlns:r="http://schemas.openxmlformats.org/officeDocument/2006/relationships" xmlns:p="http://schemas.openxmlformats.org/presentationml/2006/main">
   <p:cSld>
-    <p:bg>
-      <p:bgPr>
-        <a:blipFill rotWithShape="1">
-          <a:blip r:embed="rId2">
-            <a:duotone>
-              <a:schemeClr val="bg1">
-                <a:shade val="80000"/>
-                <a:lumMod val="80000"/>
-              </a:schemeClr>
-              <a:schemeClr val="bg1">
-                <a:tint val="98000"/>
-              </a:schemeClr>
-            </a:duotone>
-          </a:blip>
-          <a:stretch/>
-        </a:blipFill>
-        <a:effectLst/>
-      </p:bgPr>
-    </p:bg>
     <p:spTree>
       <p:nvGrpSpPr>
         <p:cNvPr id="1" name=""/>
@@ -6704,180 +6686,128 @@
           <a:chExt cx="0" cy="0"/>
         </a:xfrm>
       </p:grpSpPr>
-      <p:sp useBgFill="1">
-        <p:nvSpPr>
-          <p:cNvPr id="11" name="Rectangle 10">
+      <p:sp>
+        <p:nvSpPr>
+          <p:cNvPr id="2" name="Title 1">
             <a:extLst>
               <a:ext uri="{FF2B5EF4-FFF2-40B4-BE49-F238E27FC236}">
-                <a16:creationId xmlns:a16="http://schemas.microsoft.com/office/drawing/2014/main" id="{1E70A317-DCED-4E80-AA2D-467D8702E5CB}"/>
-              </a:ext>
-              <a:ext uri="{C183D7F6-B498-43B3-948B-1728B52AA6E4}">
-                <adec:decorative xmlns:adec="http://schemas.microsoft.com/office/drawing/2017/decorative" val="1"/>
+                <a16:creationId xmlns:a16="http://schemas.microsoft.com/office/drawing/2014/main" id="{026AB218-FAB6-4250-8192-112E14450B94}"/>
               </a:ext>
             </a:extLst>
           </p:cNvPr>
           <p:cNvSpPr>
-            <a:spLocks noGrp="1" noRot="1" noChangeAspect="1" noMove="1" noResize="1" noEditPoints="1" noAdjustHandles="1" noChangeArrowheads="1" noChangeShapeType="1" noTextEdit="1"/>
-          </p:cNvSpPr>
-          <p:nvPr>
-            <p:extLst>
-              <p:ext uri="{386F3935-93C4-4BCD-93E2-E3B085C9AB24}">
-                <p16:designElem xmlns:p16="http://schemas.microsoft.com/office/powerpoint/2015/main" val="1"/>
-              </p:ext>
-            </p:extLst>
-          </p:nvPr>
-        </p:nvSpPr>
-        <p:spPr>
-          <a:xfrm>
-            <a:off x="0" y="0"/>
-            <a:ext cx="12192000" cy="6858000"/>
+            <a:spLocks noGrp="1"/>
+          </p:cNvSpPr>
+          <p:nvPr>
+            <p:ph type="title"/>
+          </p:nvPr>
+        </p:nvSpPr>
+        <p:spPr/>
+        <p:txBody>
+          <a:bodyPr/>
+          <a:lstStyle/>
+          <a:p>
+            <a:r>
+              <a:rPr lang="en-US" dirty="0"/>
+              <a:t>Example Runs </a:t>
+            </a:r>
+          </a:p>
+        </p:txBody>
+      </p:sp>
+      <p:sp>
+        <p:nvSpPr>
+          <p:cNvPr id="3" name="Content Placeholder 2">
+            <a:extLst>
+              <a:ext uri="{FF2B5EF4-FFF2-40B4-BE49-F238E27FC236}">
+                <a16:creationId xmlns:a16="http://schemas.microsoft.com/office/drawing/2014/main" id="{7A14795C-689A-4842-A878-0A0421399C00}"/>
+              </a:ext>
+            </a:extLst>
+          </p:cNvPr>
+          <p:cNvSpPr>
+            <a:spLocks noGrp="1"/>
+          </p:cNvSpPr>
+          <p:nvPr>
+            <p:ph idx="1"/>
+          </p:nvPr>
+        </p:nvSpPr>
+        <p:spPr/>
+        <p:txBody>
+          <a:bodyPr/>
+          <a:lstStyle/>
+          <a:p>
+            <a:r>
+              <a:rPr lang="en-US" dirty="0"/>
+              <a:t>This is the input file </a:t>
+            </a:r>
+          </a:p>
+          <a:p>
+            <a:r>
+              <a:rPr lang="en-US" dirty="0"/>
+              <a:t>The output </a:t>
+            </a:r>
+            <a:r>
+              <a:rPr lang="en-US" dirty="0" err="1"/>
+              <a:t>png</a:t>
+            </a:r>
+            <a:r>
+              <a:rPr lang="en-US" dirty="0"/>
+              <a:t> images are shown in the following slides, one layer in each slide. </a:t>
+            </a:r>
+          </a:p>
+          <a:p>
+            <a:r>
+              <a:rPr lang="en-US" dirty="0"/>
+              <a:t>This is the output of the sample</a:t>
+            </a:r>
+          </a:p>
+          <a:p>
+            <a:endParaRPr lang="en-US" dirty="0"/>
+          </a:p>
+        </p:txBody>
+      </p:sp>
+      <p:pic>
+        <p:nvPicPr>
+          <p:cNvPr id="5" name="Picture 4">
+            <a:extLst>
+              <a:ext uri="{FF2B5EF4-FFF2-40B4-BE49-F238E27FC236}">
+                <a16:creationId xmlns:a16="http://schemas.microsoft.com/office/drawing/2014/main" id="{3F07C974-0078-4EE1-803B-31C651B9FE7A}"/>
+              </a:ext>
+            </a:extLst>
+          </p:cNvPr>
+          <p:cNvPicPr>
+            <a:picLocks noChangeAspect="1"/>
+          </p:cNvPicPr>
+          <p:nvPr/>
+        </p:nvPicPr>
+        <p:blipFill>
+          <a:blip r:embed="rId2"/>
+          <a:stretch>
+            <a:fillRect/>
+          </a:stretch>
+        </p:blipFill>
+        <p:spPr>
+          <a:xfrm>
+            <a:off x="6494883" y="2137099"/>
+            <a:ext cx="3886200" cy="476250"/>
           </a:xfrm>
           <a:prstGeom prst="rect">
             <a:avLst/>
           </a:prstGeom>
-          <a:ln>
-            <a:noFill/>
-          </a:ln>
-        </p:spPr>
-        <p:style>
-          <a:lnRef idx="2">
-            <a:schemeClr val="accent1">
-              <a:shade val="50000"/>
-            </a:schemeClr>
-          </a:lnRef>
-          <a:fillRef idx="1">
-            <a:schemeClr val="accent1"/>
-          </a:fillRef>
-          <a:effectRef idx="0">
-            <a:schemeClr val="accent1"/>
-          </a:effectRef>
-          <a:fontRef idx="minor">
-            <a:schemeClr val="lt1"/>
-          </a:fontRef>
-        </p:style>
-        <p:txBody>
-          <a:bodyPr rtlCol="0" anchor="ctr"/>
-          <a:lstStyle/>
-          <a:p>
-            <a:pPr algn="ctr"/>
-            <a:endParaRPr lang="en-US"/>
-          </a:p>
-        </p:txBody>
-      </p:sp>
-      <p:sp>
-        <p:nvSpPr>
-          <p:cNvPr id="2" name="Title 1">
+        </p:spPr>
+      </p:pic>
+      <p:pic>
+        <p:nvPicPr>
+          <p:cNvPr id="4" name="Picture 3">
             <a:extLst>
               <a:ext uri="{FF2B5EF4-FFF2-40B4-BE49-F238E27FC236}">
-                <a16:creationId xmlns:a16="http://schemas.microsoft.com/office/drawing/2014/main" id="{49AAA2A6-56BB-4C71-AE5B-FC45A6568DD7}"/>
-              </a:ext>
-            </a:extLst>
-          </p:cNvPr>
-          <p:cNvSpPr>
-            <a:spLocks noGrp="1"/>
-          </p:cNvSpPr>
-          <p:nvPr>
-            <p:ph type="title"/>
-          </p:nvPr>
-        </p:nvSpPr>
-        <p:spPr>
-          <a:xfrm>
-            <a:off x="861791" y="835383"/>
-            <a:ext cx="3382832" cy="3499549"/>
-          </a:xfrm>
-        </p:spPr>
-        <p:txBody>
-          <a:bodyPr vert="horz" lIns="91440" tIns="45720" rIns="91440" bIns="45720" rtlCol="0" anchor="b">
-            <a:normAutofit/>
-          </a:bodyPr>
-          <a:lstStyle/>
-          <a:p>
-            <a:pPr algn="l"/>
-            <a:r>
-              <a:rPr lang="en-US" sz="4200"/>
-              <a:t>Layer 1</a:t>
-            </a:r>
-          </a:p>
-        </p:txBody>
-      </p:sp>
-      <p:sp>
-        <p:nvSpPr>
-          <p:cNvPr id="13" name="Rectangle 12">
-            <a:extLst>
-              <a:ext uri="{FF2B5EF4-FFF2-40B4-BE49-F238E27FC236}">
-                <a16:creationId xmlns:a16="http://schemas.microsoft.com/office/drawing/2014/main" id="{A6D87845-294F-40CB-BC48-46455460D292}"/>
-              </a:ext>
-              <a:ext uri="{C183D7F6-B498-43B3-948B-1728B52AA6E4}">
-                <adec:decorative xmlns:adec="http://schemas.microsoft.com/office/drawing/2017/decorative" val="1"/>
-              </a:ext>
-            </a:extLst>
-          </p:cNvPr>
-          <p:cNvSpPr>
-            <a:spLocks noGrp="1" noRot="1" noChangeAspect="1" noMove="1" noResize="1" noEditPoints="1" noAdjustHandles="1" noChangeArrowheads="1" noChangeShapeType="1" noTextEdit="1"/>
-          </p:cNvSpPr>
-          <p:nvPr>
-            <p:extLst>
-              <p:ext uri="{386F3935-93C4-4BCD-93E2-E3B085C9AB24}">
-                <p16:designElem xmlns:p16="http://schemas.microsoft.com/office/powerpoint/2015/main" val="1"/>
-              </p:ext>
-            </p:extLst>
-          </p:nvPr>
-        </p:nvSpPr>
-        <p:spPr>
-          <a:xfrm>
-            <a:off x="4655671" y="0"/>
-            <a:ext cx="7536329" cy="6858000"/>
-          </a:xfrm>
-          <a:prstGeom prst="rect">
-            <a:avLst/>
-          </a:prstGeom>
-          <a:solidFill>
-            <a:schemeClr val="tx1"/>
-          </a:solidFill>
-          <a:ln>
-            <a:noFill/>
-          </a:ln>
-        </p:spPr>
-        <p:style>
-          <a:lnRef idx="2">
-            <a:schemeClr val="accent1">
-              <a:shade val="50000"/>
-            </a:schemeClr>
-          </a:lnRef>
-          <a:fillRef idx="1">
-            <a:schemeClr val="accent1"/>
-          </a:fillRef>
-          <a:effectRef idx="0">
-            <a:schemeClr val="accent1"/>
-          </a:effectRef>
-          <a:fontRef idx="minor">
-            <a:schemeClr val="lt1"/>
-          </a:fontRef>
-        </p:style>
-        <p:txBody>
-          <a:bodyPr rtlCol="0" anchor="ctr"/>
-          <a:lstStyle/>
-          <a:p>
-            <a:pPr algn="ctr"/>
-            <a:endParaRPr lang="en-US"/>
-          </a:p>
-        </p:txBody>
-      </p:sp>
-      <p:pic>
-        <p:nvPicPr>
-          <p:cNvPr id="6" name="Content Placeholder 5" descr="A close up of a logo&#10;&#10;Description automatically generated">
-            <a:extLst>
-              <a:ext uri="{FF2B5EF4-FFF2-40B4-BE49-F238E27FC236}">
-                <a16:creationId xmlns:a16="http://schemas.microsoft.com/office/drawing/2014/main" id="{B24496EC-5831-4A4E-A2D6-DD45535AACEC}"/>
+                <a16:creationId xmlns:a16="http://schemas.microsoft.com/office/drawing/2014/main" id="{C8329712-E6C7-4A69-927A-89541D8C230E}"/>
               </a:ext>
             </a:extLst>
           </p:cNvPr>
           <p:cNvPicPr>
-            <a:picLocks noGrp="1" noChangeAspect="1"/>
+            <a:picLocks noChangeAspect="1"/>
           </p:cNvPicPr>
-          <p:nvPr>
-            <p:ph idx="1"/>
-          </p:nvPr>
+          <p:nvPr/>
         </p:nvPicPr>
         <p:blipFill>
           <a:blip r:embed="rId3"/>
@@ -6887,8 +6817,8 @@
         </p:blipFill>
         <p:spPr>
           <a:xfrm>
-            <a:off x="5603749" y="609600"/>
-            <a:ext cx="5638800" cy="5638800"/>
+            <a:off x="297455" y="3602516"/>
+            <a:ext cx="11347374" cy="3233451"/>
           </a:xfrm>
           <a:prstGeom prst="rect">
             <a:avLst/>
@@ -6898,7 +6828,7 @@
     </p:spTree>
     <p:extLst>
       <p:ext uri="{BB962C8B-B14F-4D97-AF65-F5344CB8AC3E}">
-        <p14:creationId xmlns:p14="http://schemas.microsoft.com/office/powerpoint/2010/main" val="3777777842"/>
+        <p14:creationId xmlns:p14="http://schemas.microsoft.com/office/powerpoint/2010/main" val="3289350808"/>
       </p:ext>
     </p:extLst>
   </p:cSld>
@@ -7009,7 +6939,7 @@
           <p:cNvPr id="2" name="Title 1">
             <a:extLst>
               <a:ext uri="{FF2B5EF4-FFF2-40B4-BE49-F238E27FC236}">
-                <a16:creationId xmlns:a16="http://schemas.microsoft.com/office/drawing/2014/main" id="{96C4754C-F3E6-4930-9DDE-2AEEC9353AAD}"/>
+                <a16:creationId xmlns:a16="http://schemas.microsoft.com/office/drawing/2014/main" id="{49AAA2A6-56BB-4C71-AE5B-FC45A6568DD7}"/>
               </a:ext>
             </a:extLst>
           </p:cNvPr>
@@ -7035,7 +6965,7 @@
             <a:pPr algn="l"/>
             <a:r>
               <a:rPr lang="en-US" sz="4200"/>
-              <a:t>Layer 2</a:t>
+              <a:t>Layer 1</a:t>
             </a:r>
           </a:p>
         </p:txBody>
@@ -7108,7 +7038,7 @@
           <p:cNvPr id="6" name="Content Placeholder 5" descr="A close up of a logo&#10;&#10;Description automatically generated">
             <a:extLst>
               <a:ext uri="{FF2B5EF4-FFF2-40B4-BE49-F238E27FC236}">
-                <a16:creationId xmlns:a16="http://schemas.microsoft.com/office/drawing/2014/main" id="{FD089F04-68D9-4C50-9D55-B491E935F253}"/>
+                <a16:creationId xmlns:a16="http://schemas.microsoft.com/office/drawing/2014/main" id="{B24496EC-5831-4A4E-A2D6-DD45535AACEC}"/>
               </a:ext>
             </a:extLst>
           </p:cNvPr>
@@ -7138,7 +7068,7 @@
     </p:spTree>
     <p:extLst>
       <p:ext uri="{BB962C8B-B14F-4D97-AF65-F5344CB8AC3E}">
-        <p14:creationId xmlns:p14="http://schemas.microsoft.com/office/powerpoint/2010/main" val="297137869"/>
+        <p14:creationId xmlns:p14="http://schemas.microsoft.com/office/powerpoint/2010/main" val="3777777842"/>
       </p:ext>
     </p:extLst>
   </p:cSld>
@@ -7249,7 +7179,7 @@
           <p:cNvPr id="2" name="Title 1">
             <a:extLst>
               <a:ext uri="{FF2B5EF4-FFF2-40B4-BE49-F238E27FC236}">
-                <a16:creationId xmlns:a16="http://schemas.microsoft.com/office/drawing/2014/main" id="{86FD15D5-0544-4125-A885-35C73F22FB83}"/>
+                <a16:creationId xmlns:a16="http://schemas.microsoft.com/office/drawing/2014/main" id="{96C4754C-F3E6-4930-9DDE-2AEEC9353AAD}"/>
               </a:ext>
             </a:extLst>
           </p:cNvPr>
@@ -7275,7 +7205,7 @@
             <a:pPr algn="l"/>
             <a:r>
               <a:rPr lang="en-US" sz="4200"/>
-              <a:t>Layer 3</a:t>
+              <a:t>Layer 2</a:t>
             </a:r>
           </a:p>
         </p:txBody>
@@ -7348,7 +7278,7 @@
           <p:cNvPr id="6" name="Content Placeholder 5" descr="A close up of a logo&#10;&#10;Description automatically generated">
             <a:extLst>
               <a:ext uri="{FF2B5EF4-FFF2-40B4-BE49-F238E27FC236}">
-                <a16:creationId xmlns:a16="http://schemas.microsoft.com/office/drawing/2014/main" id="{7C38F14E-BC2F-45F4-BB45-AD75A06C1CBE}"/>
+                <a16:creationId xmlns:a16="http://schemas.microsoft.com/office/drawing/2014/main" id="{FD089F04-68D9-4C50-9D55-B491E935F253}"/>
               </a:ext>
             </a:extLst>
           </p:cNvPr>
@@ -7378,7 +7308,7 @@
     </p:spTree>
     <p:extLst>
       <p:ext uri="{BB962C8B-B14F-4D97-AF65-F5344CB8AC3E}">
-        <p14:creationId xmlns:p14="http://schemas.microsoft.com/office/powerpoint/2010/main" val="1068407826"/>
+        <p14:creationId xmlns:p14="http://schemas.microsoft.com/office/powerpoint/2010/main" val="297137869"/>
       </p:ext>
     </p:extLst>
   </p:cSld>
@@ -7489,7 +7419,7 @@
           <p:cNvPr id="2" name="Title 1">
             <a:extLst>
               <a:ext uri="{FF2B5EF4-FFF2-40B4-BE49-F238E27FC236}">
-                <a16:creationId xmlns:a16="http://schemas.microsoft.com/office/drawing/2014/main" id="{80F2F330-196B-4A2C-8E08-23958E621324}"/>
+                <a16:creationId xmlns:a16="http://schemas.microsoft.com/office/drawing/2014/main" id="{86FD15D5-0544-4125-A885-35C73F22FB83}"/>
               </a:ext>
             </a:extLst>
           </p:cNvPr>
@@ -7515,7 +7445,7 @@
             <a:pPr algn="l"/>
             <a:r>
               <a:rPr lang="en-US" sz="4200"/>
-              <a:t>Layer 4</a:t>
+              <a:t>Layer 3</a:t>
             </a:r>
           </a:p>
         </p:txBody>
@@ -7588,7 +7518,7 @@
           <p:cNvPr id="6" name="Content Placeholder 5" descr="A close up of a logo&#10;&#10;Description automatically generated">
             <a:extLst>
               <a:ext uri="{FF2B5EF4-FFF2-40B4-BE49-F238E27FC236}">
-                <a16:creationId xmlns:a16="http://schemas.microsoft.com/office/drawing/2014/main" id="{9821A623-5E40-40AB-AF42-B27480146EC6}"/>
+                <a16:creationId xmlns:a16="http://schemas.microsoft.com/office/drawing/2014/main" id="{7C38F14E-BC2F-45F4-BB45-AD75A06C1CBE}"/>
               </a:ext>
             </a:extLst>
           </p:cNvPr>
@@ -7618,7 +7548,7 @@
     </p:spTree>
     <p:extLst>
       <p:ext uri="{BB962C8B-B14F-4D97-AF65-F5344CB8AC3E}">
-        <p14:creationId xmlns:p14="http://schemas.microsoft.com/office/powerpoint/2010/main" val="2986366896"/>
+        <p14:creationId xmlns:p14="http://schemas.microsoft.com/office/powerpoint/2010/main" val="1068407826"/>
       </p:ext>
     </p:extLst>
   </p:cSld>
@@ -7666,10 +7596,10 @@
       </p:grpSpPr>
       <p:sp useBgFill="1">
         <p:nvSpPr>
-          <p:cNvPr id="14" name="Rectangle 13">
+          <p:cNvPr id="11" name="Rectangle 10">
             <a:extLst>
               <a:ext uri="{FF2B5EF4-FFF2-40B4-BE49-F238E27FC236}">
-                <a16:creationId xmlns:a16="http://schemas.microsoft.com/office/drawing/2014/main" id="{95CB840F-8E41-4CA5-B79B-25CC80AD234A}"/>
+                <a16:creationId xmlns:a16="http://schemas.microsoft.com/office/drawing/2014/main" id="{1E70A317-DCED-4E80-AA2D-467D8702E5CB}"/>
               </a:ext>
               <a:ext uri="{C183D7F6-B498-43B3-948B-1728B52AA6E4}">
                 <adec:decorative xmlns:adec="http://schemas.microsoft.com/office/drawing/2017/decorative" val="1"/>
@@ -7705,8 +7635,8 @@
               <a:shade val="50000"/>
             </a:schemeClr>
           </a:lnRef>
-          <a:fillRef idx="1003">
-            <a:schemeClr val="dk2"/>
+          <a:fillRef idx="1">
+            <a:schemeClr val="accent1"/>
           </a:fillRef>
           <a:effectRef idx="0">
             <a:schemeClr val="accent1"/>
@@ -7729,7 +7659,7 @@
           <p:cNvPr id="2" name="Title 1">
             <a:extLst>
               <a:ext uri="{FF2B5EF4-FFF2-40B4-BE49-F238E27FC236}">
-                <a16:creationId xmlns:a16="http://schemas.microsoft.com/office/drawing/2014/main" id="{026AB218-FAB6-4250-8192-112E14450B94}"/>
+                <a16:creationId xmlns:a16="http://schemas.microsoft.com/office/drawing/2014/main" id="{80F2F330-196B-4A2C-8E08-23958E621324}"/>
               </a:ext>
             </a:extLst>
           </p:cNvPr>
@@ -7742,75 +7672,102 @@
         </p:nvSpPr>
         <p:spPr>
           <a:xfrm>
-            <a:off x="913796" y="643465"/>
-            <a:ext cx="3382638" cy="1370605"/>
-          </a:xfrm>
-        </p:spPr>
-        <p:txBody>
-          <a:bodyPr>
+            <a:off x="861791" y="835383"/>
+            <a:ext cx="3382832" cy="3499549"/>
+          </a:xfrm>
+        </p:spPr>
+        <p:txBody>
+          <a:bodyPr vert="horz" lIns="91440" tIns="45720" rIns="91440" bIns="45720" rtlCol="0" anchor="b">
             <a:normAutofit/>
           </a:bodyPr>
           <a:lstStyle/>
           <a:p>
             <a:pPr algn="l"/>
             <a:r>
-              <a:rPr lang="en-US" sz="3000"/>
-              <a:t>Performance</a:t>
-            </a:r>
-          </a:p>
-        </p:txBody>
-      </p:sp>
-      <p:sp>
-        <p:nvSpPr>
-          <p:cNvPr id="3" name="Content Placeholder 2">
+              <a:rPr lang="en-US" sz="4200"/>
+              <a:t>Layer 4</a:t>
+            </a:r>
+          </a:p>
+        </p:txBody>
+      </p:sp>
+      <p:sp>
+        <p:nvSpPr>
+          <p:cNvPr id="13" name="Rectangle 12">
             <a:extLst>
               <a:ext uri="{FF2B5EF4-FFF2-40B4-BE49-F238E27FC236}">
-                <a16:creationId xmlns:a16="http://schemas.microsoft.com/office/drawing/2014/main" id="{7A14795C-689A-4842-A878-0A0421399C00}"/>
+                <a16:creationId xmlns:a16="http://schemas.microsoft.com/office/drawing/2014/main" id="{A6D87845-294F-40CB-BC48-46455460D292}"/>
+              </a:ext>
+              <a:ext uri="{C183D7F6-B498-43B3-948B-1728B52AA6E4}">
+                <adec:decorative xmlns:adec="http://schemas.microsoft.com/office/drawing/2017/decorative" val="1"/>
               </a:ext>
             </a:extLst>
           </p:cNvPr>
           <p:cNvSpPr>
-            <a:spLocks noGrp="1"/>
-          </p:cNvSpPr>
-          <p:nvPr>
-            <p:ph idx="1"/>
-          </p:nvPr>
-        </p:nvSpPr>
-        <p:spPr>
-          <a:xfrm>
-            <a:off x="913796" y="2247153"/>
-            <a:ext cx="3358084" cy="3544046"/>
-          </a:xfrm>
-        </p:spPr>
-        <p:txBody>
-          <a:bodyPr>
-            <a:normAutofit/>
-          </a:bodyPr>
-          <a:lstStyle/>
-          <a:p>
-            <a:r>
-              <a:rPr lang="en-US" sz="1800"/>
-              <a:t>Runtime</a:t>
-            </a:r>
-          </a:p>
-          <a:p>
-            <a:endParaRPr lang="en-US" sz="1800"/>
+            <a:spLocks noGrp="1" noRot="1" noChangeAspect="1" noMove="1" noResize="1" noEditPoints="1" noAdjustHandles="1" noChangeArrowheads="1" noChangeShapeType="1" noTextEdit="1"/>
+          </p:cNvSpPr>
+          <p:nvPr>
+            <p:extLst>
+              <p:ext uri="{386F3935-93C4-4BCD-93E2-E3B085C9AB24}">
+                <p16:designElem xmlns:p16="http://schemas.microsoft.com/office/powerpoint/2015/main" val="1"/>
+              </p:ext>
+            </p:extLst>
+          </p:nvPr>
+        </p:nvSpPr>
+        <p:spPr>
+          <a:xfrm>
+            <a:off x="4655671" y="0"/>
+            <a:ext cx="7536329" cy="6858000"/>
+          </a:xfrm>
+          <a:prstGeom prst="rect">
+            <a:avLst/>
+          </a:prstGeom>
+          <a:solidFill>
+            <a:schemeClr val="tx1"/>
+          </a:solidFill>
+          <a:ln>
+            <a:noFill/>
+          </a:ln>
+        </p:spPr>
+        <p:style>
+          <a:lnRef idx="2">
+            <a:schemeClr val="accent1">
+              <a:shade val="50000"/>
+            </a:schemeClr>
+          </a:lnRef>
+          <a:fillRef idx="1">
+            <a:schemeClr val="accent1"/>
+          </a:fillRef>
+          <a:effectRef idx="0">
+            <a:schemeClr val="accent1"/>
+          </a:effectRef>
+          <a:fontRef idx="minor">
+            <a:schemeClr val="lt1"/>
+          </a:fontRef>
+        </p:style>
+        <p:txBody>
+          <a:bodyPr rtlCol="0" anchor="ctr"/>
+          <a:lstStyle/>
+          <a:p>
+            <a:pPr algn="ctr"/>
+            <a:endParaRPr lang="en-US"/>
           </a:p>
         </p:txBody>
       </p:sp>
       <p:pic>
         <p:nvPicPr>
-          <p:cNvPr id="9" name="Picture 8" descr="A screenshot of a cell phone&#10;&#10;Description automatically generated">
+          <p:cNvPr id="6" name="Content Placeholder 5" descr="A close up of a logo&#10;&#10;Description automatically generated">
             <a:extLst>
               <a:ext uri="{FF2B5EF4-FFF2-40B4-BE49-F238E27FC236}">
-                <a16:creationId xmlns:a16="http://schemas.microsoft.com/office/drawing/2014/main" id="{BA7858C0-A7E1-4370-84A3-D5E0FCDDC482}"/>
+                <a16:creationId xmlns:a16="http://schemas.microsoft.com/office/drawing/2014/main" id="{9821A623-5E40-40AB-AF42-B27480146EC6}"/>
               </a:ext>
             </a:extLst>
           </p:cNvPr>
           <p:cNvPicPr>
-            <a:picLocks noChangeAspect="1"/>
+            <a:picLocks noGrp="1" noChangeAspect="1"/>
           </p:cNvPicPr>
-          <p:nvPr/>
+          <p:nvPr>
+            <p:ph idx="1"/>
+          </p:nvPr>
         </p:nvPicPr>
         <p:blipFill>
           <a:blip r:embed="rId3"/>
@@ -7820,8 +7777,8 @@
         </p:blipFill>
         <p:spPr>
           <a:xfrm>
-            <a:off x="4915348" y="1812488"/>
-            <a:ext cx="6633184" cy="2809689"/>
+            <a:off x="5603749" y="609600"/>
+            <a:ext cx="5638800" cy="5638800"/>
           </a:xfrm>
           <a:prstGeom prst="rect">
             <a:avLst/>
@@ -7831,7 +7788,7 @@
     </p:spTree>
     <p:extLst>
       <p:ext uri="{BB962C8B-B14F-4D97-AF65-F5344CB8AC3E}">
-        <p14:creationId xmlns:p14="http://schemas.microsoft.com/office/powerpoint/2010/main" val="3132343264"/>
+        <p14:creationId xmlns:p14="http://schemas.microsoft.com/office/powerpoint/2010/main" val="2986366896"/>
       </p:ext>
     </p:extLst>
   </p:cSld>
@@ -7842,167 +7799,6 @@
 </file>
 
 <file path=ppt/slides/slide15.xml><?xml version="1.0" encoding="utf-8"?>
-<p:sld xmlns:a="http://schemas.openxmlformats.org/drawingml/2006/main" xmlns:r="http://schemas.openxmlformats.org/officeDocument/2006/relationships" xmlns:p="http://schemas.openxmlformats.org/presentationml/2006/main">
-  <p:cSld>
-    <p:spTree>
-      <p:nvGrpSpPr>
-        <p:cNvPr id="1" name=""/>
-        <p:cNvGrpSpPr/>
-        <p:nvPr/>
-      </p:nvGrpSpPr>
-      <p:grpSpPr>
-        <a:xfrm>
-          <a:off x="0" y="0"/>
-          <a:ext cx="0" cy="0"/>
-          <a:chOff x="0" y="0"/>
-          <a:chExt cx="0" cy="0"/>
-        </a:xfrm>
-      </p:grpSpPr>
-      <p:sp>
-        <p:nvSpPr>
-          <p:cNvPr id="2" name="Title 1">
-            <a:extLst>
-              <a:ext uri="{FF2B5EF4-FFF2-40B4-BE49-F238E27FC236}">
-                <a16:creationId xmlns:a16="http://schemas.microsoft.com/office/drawing/2014/main" id="{026AB218-FAB6-4250-8192-112E14450B94}"/>
-              </a:ext>
-            </a:extLst>
-          </p:cNvPr>
-          <p:cNvSpPr>
-            <a:spLocks noGrp="1"/>
-          </p:cNvSpPr>
-          <p:nvPr>
-            <p:ph type="title"/>
-          </p:nvPr>
-        </p:nvSpPr>
-        <p:spPr/>
-        <p:txBody>
-          <a:bodyPr/>
-          <a:lstStyle/>
-          <a:p>
-            <a:r>
-              <a:rPr lang="en-US" dirty="0"/>
-              <a:t>Example Runs </a:t>
-            </a:r>
-          </a:p>
-        </p:txBody>
-      </p:sp>
-      <p:sp>
-        <p:nvSpPr>
-          <p:cNvPr id="3" name="Content Placeholder 2">
-            <a:extLst>
-              <a:ext uri="{FF2B5EF4-FFF2-40B4-BE49-F238E27FC236}">
-                <a16:creationId xmlns:a16="http://schemas.microsoft.com/office/drawing/2014/main" id="{7A14795C-689A-4842-A878-0A0421399C00}"/>
-              </a:ext>
-            </a:extLst>
-          </p:cNvPr>
-          <p:cNvSpPr>
-            <a:spLocks noGrp="1"/>
-          </p:cNvSpPr>
-          <p:nvPr>
-            <p:ph idx="1"/>
-          </p:nvPr>
-        </p:nvSpPr>
-        <p:spPr/>
-        <p:txBody>
-          <a:bodyPr/>
-          <a:lstStyle/>
-          <a:p>
-            <a:r>
-              <a:rPr lang="en-US"/>
-              <a:t>This is the input file </a:t>
-            </a:r>
-          </a:p>
-          <a:p>
-            <a:r>
-              <a:rPr lang="en-US"/>
-              <a:t>The output png images are shown in the following slides, one layer in each slide. </a:t>
-            </a:r>
-          </a:p>
-          <a:p>
-            <a:r>
-              <a:rPr lang="en-US"/>
-              <a:t>This is path of the output of the sample</a:t>
-            </a:r>
-          </a:p>
-          <a:p>
-            <a:endParaRPr lang="en-US" dirty="0"/>
-          </a:p>
-        </p:txBody>
-      </p:sp>
-      <p:pic>
-        <p:nvPicPr>
-          <p:cNvPr id="4" name="Picture 3">
-            <a:extLst>
-              <a:ext uri="{FF2B5EF4-FFF2-40B4-BE49-F238E27FC236}">
-                <a16:creationId xmlns:a16="http://schemas.microsoft.com/office/drawing/2014/main" id="{2BD8809C-DAB1-4E77-A016-9A35E3366FFD}"/>
-              </a:ext>
-            </a:extLst>
-          </p:cNvPr>
-          <p:cNvPicPr>
-            <a:picLocks noChangeAspect="1"/>
-          </p:cNvPicPr>
-          <p:nvPr/>
-        </p:nvPicPr>
-        <p:blipFill>
-          <a:blip r:embed="rId2"/>
-          <a:stretch>
-            <a:fillRect/>
-          </a:stretch>
-        </p:blipFill>
-        <p:spPr>
-          <a:xfrm>
-            <a:off x="6187578" y="1866900"/>
-            <a:ext cx="4686300" cy="666750"/>
-          </a:xfrm>
-          <a:prstGeom prst="rect">
-            <a:avLst/>
-          </a:prstGeom>
-        </p:spPr>
-      </p:pic>
-      <p:pic>
-        <p:nvPicPr>
-          <p:cNvPr id="6" name="Picture 5">
-            <a:extLst>
-              <a:ext uri="{FF2B5EF4-FFF2-40B4-BE49-F238E27FC236}">
-                <a16:creationId xmlns:a16="http://schemas.microsoft.com/office/drawing/2014/main" id="{CECA2C31-17E3-42A4-9985-7797671BDAD7}"/>
-              </a:ext>
-            </a:extLst>
-          </p:cNvPr>
-          <p:cNvPicPr>
-            <a:picLocks noChangeAspect="1"/>
-          </p:cNvPicPr>
-          <p:nvPr/>
-        </p:nvPicPr>
-        <p:blipFill>
-          <a:blip r:embed="rId3"/>
-          <a:stretch>
-            <a:fillRect/>
-          </a:stretch>
-        </p:blipFill>
-        <p:spPr>
-          <a:xfrm>
-            <a:off x="1614079" y="3618547"/>
-            <a:ext cx="8362950" cy="3095625"/>
-          </a:xfrm>
-          <a:prstGeom prst="rect">
-            <a:avLst/>
-          </a:prstGeom>
-        </p:spPr>
-      </p:pic>
-    </p:spTree>
-    <p:extLst>
-      <p:ext uri="{BB962C8B-B14F-4D97-AF65-F5344CB8AC3E}">
-        <p14:creationId xmlns:p14="http://schemas.microsoft.com/office/powerpoint/2010/main" val="1793303214"/>
-      </p:ext>
-    </p:extLst>
-  </p:cSld>
-  <p:clrMapOvr>
-    <a:masterClrMapping/>
-  </p:clrMapOvr>
-</p:sld>
-</file>
-
-<file path=ppt/slides/slide16.xml><?xml version="1.0" encoding="utf-8"?>
 <p:sld xmlns:a="http://schemas.openxmlformats.org/drawingml/2006/main" xmlns:r="http://schemas.openxmlformats.org/officeDocument/2006/relationships" xmlns:p="http://schemas.openxmlformats.org/presentationml/2006/main">
   <p:cSld>
     <p:bg>
@@ -8040,10 +7836,10 @@
       </p:grpSpPr>
       <p:sp useBgFill="1">
         <p:nvSpPr>
-          <p:cNvPr id="11" name="Rectangle 10">
+          <p:cNvPr id="14" name="Rectangle 13">
             <a:extLst>
               <a:ext uri="{FF2B5EF4-FFF2-40B4-BE49-F238E27FC236}">
-                <a16:creationId xmlns:a16="http://schemas.microsoft.com/office/drawing/2014/main" id="{1E70A317-DCED-4E80-AA2D-467D8702E5CB}"/>
+                <a16:creationId xmlns:a16="http://schemas.microsoft.com/office/drawing/2014/main" id="{95CB840F-8E41-4CA5-B79B-25CC80AD234A}"/>
               </a:ext>
               <a:ext uri="{C183D7F6-B498-43B3-948B-1728B52AA6E4}">
                 <adec:decorative xmlns:adec="http://schemas.microsoft.com/office/drawing/2017/decorative" val="1"/>
@@ -8079,8 +7875,8 @@
               <a:shade val="50000"/>
             </a:schemeClr>
           </a:lnRef>
-          <a:fillRef idx="1">
-            <a:schemeClr val="accent1"/>
+          <a:fillRef idx="1003">
+            <a:schemeClr val="dk2"/>
           </a:fillRef>
           <a:effectRef idx="0">
             <a:schemeClr val="accent1"/>
@@ -8103,7 +7899,7 @@
           <p:cNvPr id="2" name="Title 1">
             <a:extLst>
               <a:ext uri="{FF2B5EF4-FFF2-40B4-BE49-F238E27FC236}">
-                <a16:creationId xmlns:a16="http://schemas.microsoft.com/office/drawing/2014/main" id="{49AAA2A6-56BB-4C71-AE5B-FC45A6568DD7}"/>
+                <a16:creationId xmlns:a16="http://schemas.microsoft.com/office/drawing/2014/main" id="{026AB218-FAB6-4250-8192-112E14450B94}"/>
               </a:ext>
             </a:extLst>
           </p:cNvPr>
@@ -8116,102 +7912,75 @@
         </p:nvSpPr>
         <p:spPr>
           <a:xfrm>
-            <a:off x="861791" y="835383"/>
-            <a:ext cx="3382832" cy="3499549"/>
-          </a:xfrm>
-        </p:spPr>
-        <p:txBody>
-          <a:bodyPr vert="horz" lIns="91440" tIns="45720" rIns="91440" bIns="45720" rtlCol="0" anchor="b">
+            <a:off x="913796" y="643465"/>
+            <a:ext cx="3382638" cy="1370605"/>
+          </a:xfrm>
+        </p:spPr>
+        <p:txBody>
+          <a:bodyPr>
             <a:normAutofit/>
           </a:bodyPr>
           <a:lstStyle/>
           <a:p>
             <a:pPr algn="l"/>
             <a:r>
-              <a:rPr lang="en-US" sz="4200"/>
-              <a:t>Layer 1</a:t>
-            </a:r>
-          </a:p>
-        </p:txBody>
-      </p:sp>
-      <p:sp>
-        <p:nvSpPr>
-          <p:cNvPr id="13" name="Rectangle 12">
+              <a:rPr lang="en-US" sz="3000"/>
+              <a:t>Performance</a:t>
+            </a:r>
+          </a:p>
+        </p:txBody>
+      </p:sp>
+      <p:sp>
+        <p:nvSpPr>
+          <p:cNvPr id="3" name="Content Placeholder 2">
             <a:extLst>
               <a:ext uri="{FF2B5EF4-FFF2-40B4-BE49-F238E27FC236}">
-                <a16:creationId xmlns:a16="http://schemas.microsoft.com/office/drawing/2014/main" id="{A6D87845-294F-40CB-BC48-46455460D292}"/>
-              </a:ext>
-              <a:ext uri="{C183D7F6-B498-43B3-948B-1728B52AA6E4}">
-                <adec:decorative xmlns:adec="http://schemas.microsoft.com/office/drawing/2017/decorative" val="1"/>
+                <a16:creationId xmlns:a16="http://schemas.microsoft.com/office/drawing/2014/main" id="{7A14795C-689A-4842-A878-0A0421399C00}"/>
               </a:ext>
             </a:extLst>
           </p:cNvPr>
           <p:cNvSpPr>
-            <a:spLocks noGrp="1" noRot="1" noChangeAspect="1" noMove="1" noResize="1" noEditPoints="1" noAdjustHandles="1" noChangeArrowheads="1" noChangeShapeType="1" noTextEdit="1"/>
-          </p:cNvSpPr>
-          <p:nvPr>
-            <p:extLst>
-              <p:ext uri="{386F3935-93C4-4BCD-93E2-E3B085C9AB24}">
-                <p16:designElem xmlns:p16="http://schemas.microsoft.com/office/powerpoint/2015/main" val="1"/>
-              </p:ext>
-            </p:extLst>
-          </p:nvPr>
-        </p:nvSpPr>
-        <p:spPr>
-          <a:xfrm>
-            <a:off x="4655671" y="0"/>
-            <a:ext cx="7536329" cy="6858000"/>
-          </a:xfrm>
-          <a:prstGeom prst="rect">
-            <a:avLst/>
-          </a:prstGeom>
-          <a:solidFill>
-            <a:schemeClr val="tx1"/>
-          </a:solidFill>
-          <a:ln>
-            <a:noFill/>
-          </a:ln>
-        </p:spPr>
-        <p:style>
-          <a:lnRef idx="2">
-            <a:schemeClr val="accent1">
-              <a:shade val="50000"/>
-            </a:schemeClr>
-          </a:lnRef>
-          <a:fillRef idx="1">
-            <a:schemeClr val="accent1"/>
-          </a:fillRef>
-          <a:effectRef idx="0">
-            <a:schemeClr val="accent1"/>
-          </a:effectRef>
-          <a:fontRef idx="minor">
-            <a:schemeClr val="lt1"/>
-          </a:fontRef>
-        </p:style>
-        <p:txBody>
-          <a:bodyPr rtlCol="0" anchor="ctr"/>
-          <a:lstStyle/>
-          <a:p>
-            <a:pPr algn="ctr"/>
-            <a:endParaRPr lang="en-US"/>
+            <a:spLocks noGrp="1"/>
+          </p:cNvSpPr>
+          <p:nvPr>
+            <p:ph idx="1"/>
+          </p:nvPr>
+        </p:nvSpPr>
+        <p:spPr>
+          <a:xfrm>
+            <a:off x="913796" y="2247153"/>
+            <a:ext cx="3358084" cy="3544046"/>
+          </a:xfrm>
+        </p:spPr>
+        <p:txBody>
+          <a:bodyPr>
+            <a:normAutofit/>
+          </a:bodyPr>
+          <a:lstStyle/>
+          <a:p>
+            <a:r>
+              <a:rPr lang="en-US" sz="1800"/>
+              <a:t>Runtime</a:t>
+            </a:r>
+          </a:p>
+          <a:p>
+            <a:endParaRPr lang="en-US" sz="1800"/>
           </a:p>
         </p:txBody>
       </p:sp>
       <p:pic>
         <p:nvPicPr>
-          <p:cNvPr id="6" name="Content Placeholder 5" descr="A close up of a logo&#10;&#10;Description automatically generated">
+          <p:cNvPr id="9" name="Picture 8" descr="A screenshot of a cell phone&#10;&#10;Description automatically generated">
             <a:extLst>
               <a:ext uri="{FF2B5EF4-FFF2-40B4-BE49-F238E27FC236}">
-                <a16:creationId xmlns:a16="http://schemas.microsoft.com/office/drawing/2014/main" id="{01EC54CD-D7B9-4E27-AA32-F2BDE03330C0}"/>
+                <a16:creationId xmlns:a16="http://schemas.microsoft.com/office/drawing/2014/main" id="{BA7858C0-A7E1-4370-84A3-D5E0FCDDC482}"/>
               </a:ext>
             </a:extLst>
           </p:cNvPr>
           <p:cNvPicPr>
-            <a:picLocks noGrp="1" noChangeAspect="1"/>
+            <a:picLocks noChangeAspect="1"/>
           </p:cNvPicPr>
-          <p:nvPr>
-            <p:ph idx="1"/>
-          </p:nvPr>
+          <p:nvPr/>
         </p:nvPicPr>
         <p:blipFill>
           <a:blip r:embed="rId3"/>
@@ -8221,8 +7990,8 @@
         </p:blipFill>
         <p:spPr>
           <a:xfrm>
-            <a:off x="5603749" y="609600"/>
-            <a:ext cx="5638800" cy="5638800"/>
+            <a:off x="4915348" y="1812488"/>
+            <a:ext cx="6633184" cy="2809689"/>
           </a:xfrm>
           <a:prstGeom prst="rect">
             <a:avLst/>
@@ -8232,7 +8001,168 @@
     </p:spTree>
     <p:extLst>
       <p:ext uri="{BB962C8B-B14F-4D97-AF65-F5344CB8AC3E}">
-        <p14:creationId xmlns:p14="http://schemas.microsoft.com/office/powerpoint/2010/main" val="1988399572"/>
+        <p14:creationId xmlns:p14="http://schemas.microsoft.com/office/powerpoint/2010/main" val="3132343264"/>
+      </p:ext>
+    </p:extLst>
+  </p:cSld>
+  <p:clrMapOvr>
+    <a:masterClrMapping/>
+  </p:clrMapOvr>
+</p:sld>
+</file>
+
+<file path=ppt/slides/slide16.xml><?xml version="1.0" encoding="utf-8"?>
+<p:sld xmlns:a="http://schemas.openxmlformats.org/drawingml/2006/main" xmlns:r="http://schemas.openxmlformats.org/officeDocument/2006/relationships" xmlns:p="http://schemas.openxmlformats.org/presentationml/2006/main">
+  <p:cSld>
+    <p:spTree>
+      <p:nvGrpSpPr>
+        <p:cNvPr id="1" name=""/>
+        <p:cNvGrpSpPr/>
+        <p:nvPr/>
+      </p:nvGrpSpPr>
+      <p:grpSpPr>
+        <a:xfrm>
+          <a:off x="0" y="0"/>
+          <a:ext cx="0" cy="0"/>
+          <a:chOff x="0" y="0"/>
+          <a:chExt cx="0" cy="0"/>
+        </a:xfrm>
+      </p:grpSpPr>
+      <p:sp>
+        <p:nvSpPr>
+          <p:cNvPr id="2" name="Title 1">
+            <a:extLst>
+              <a:ext uri="{FF2B5EF4-FFF2-40B4-BE49-F238E27FC236}">
+                <a16:creationId xmlns:a16="http://schemas.microsoft.com/office/drawing/2014/main" id="{026AB218-FAB6-4250-8192-112E14450B94}"/>
+              </a:ext>
+            </a:extLst>
+          </p:cNvPr>
+          <p:cNvSpPr>
+            <a:spLocks noGrp="1"/>
+          </p:cNvSpPr>
+          <p:nvPr>
+            <p:ph type="title"/>
+          </p:nvPr>
+        </p:nvSpPr>
+        <p:spPr/>
+        <p:txBody>
+          <a:bodyPr/>
+          <a:lstStyle/>
+          <a:p>
+            <a:r>
+              <a:rPr lang="en-US" dirty="0"/>
+              <a:t>Example Runs </a:t>
+            </a:r>
+          </a:p>
+        </p:txBody>
+      </p:sp>
+      <p:sp>
+        <p:nvSpPr>
+          <p:cNvPr id="3" name="Content Placeholder 2">
+            <a:extLst>
+              <a:ext uri="{FF2B5EF4-FFF2-40B4-BE49-F238E27FC236}">
+                <a16:creationId xmlns:a16="http://schemas.microsoft.com/office/drawing/2014/main" id="{7A14795C-689A-4842-A878-0A0421399C00}"/>
+              </a:ext>
+            </a:extLst>
+          </p:cNvPr>
+          <p:cNvSpPr>
+            <a:spLocks noGrp="1"/>
+          </p:cNvSpPr>
+          <p:nvPr>
+            <p:ph idx="1"/>
+          </p:nvPr>
+        </p:nvSpPr>
+        <p:spPr/>
+        <p:txBody>
+          <a:bodyPr/>
+          <a:lstStyle/>
+          <a:p>
+            <a:r>
+              <a:rPr lang="en-US"/>
+              <a:t>This is the input file </a:t>
+            </a:r>
+          </a:p>
+          <a:p>
+            <a:r>
+              <a:rPr lang="en-US"/>
+              <a:t>The output png images are shown in the following slides, one layer in each slide. </a:t>
+            </a:r>
+          </a:p>
+          <a:p>
+            <a:r>
+              <a:rPr lang="en-US"/>
+              <a:t>This is path of the output of the sample</a:t>
+            </a:r>
+          </a:p>
+          <a:p>
+            <a:endParaRPr lang="en-US" dirty="0"/>
+          </a:p>
+        </p:txBody>
+      </p:sp>
+      <p:pic>
+        <p:nvPicPr>
+          <p:cNvPr id="4" name="Picture 3">
+            <a:extLst>
+              <a:ext uri="{FF2B5EF4-FFF2-40B4-BE49-F238E27FC236}">
+                <a16:creationId xmlns:a16="http://schemas.microsoft.com/office/drawing/2014/main" id="{2BD8809C-DAB1-4E77-A016-9A35E3366FFD}"/>
+              </a:ext>
+            </a:extLst>
+          </p:cNvPr>
+          <p:cNvPicPr>
+            <a:picLocks noChangeAspect="1"/>
+          </p:cNvPicPr>
+          <p:nvPr/>
+        </p:nvPicPr>
+        <p:blipFill>
+          <a:blip r:embed="rId2"/>
+          <a:stretch>
+            <a:fillRect/>
+          </a:stretch>
+        </p:blipFill>
+        <p:spPr>
+          <a:xfrm>
+            <a:off x="6187578" y="1866900"/>
+            <a:ext cx="4686300" cy="666750"/>
+          </a:xfrm>
+          <a:prstGeom prst="rect">
+            <a:avLst/>
+          </a:prstGeom>
+        </p:spPr>
+      </p:pic>
+      <p:pic>
+        <p:nvPicPr>
+          <p:cNvPr id="6" name="Picture 5">
+            <a:extLst>
+              <a:ext uri="{FF2B5EF4-FFF2-40B4-BE49-F238E27FC236}">
+                <a16:creationId xmlns:a16="http://schemas.microsoft.com/office/drawing/2014/main" id="{CECA2C31-17E3-42A4-9985-7797671BDAD7}"/>
+              </a:ext>
+            </a:extLst>
+          </p:cNvPr>
+          <p:cNvPicPr>
+            <a:picLocks noChangeAspect="1"/>
+          </p:cNvPicPr>
+          <p:nvPr/>
+        </p:nvPicPr>
+        <p:blipFill>
+          <a:blip r:embed="rId3"/>
+          <a:stretch>
+            <a:fillRect/>
+          </a:stretch>
+        </p:blipFill>
+        <p:spPr>
+          <a:xfrm>
+            <a:off x="1614079" y="3618547"/>
+            <a:ext cx="8362950" cy="3095625"/>
+          </a:xfrm>
+          <a:prstGeom prst="rect">
+            <a:avLst/>
+          </a:prstGeom>
+        </p:spPr>
+      </p:pic>
+    </p:spTree>
+    <p:extLst>
+      <p:ext uri="{BB962C8B-B14F-4D97-AF65-F5344CB8AC3E}">
+        <p14:creationId xmlns:p14="http://schemas.microsoft.com/office/powerpoint/2010/main" val="1793303214"/>
       </p:ext>
     </p:extLst>
   </p:cSld>
@@ -8343,7 +8273,7 @@
           <p:cNvPr id="2" name="Title 1">
             <a:extLst>
               <a:ext uri="{FF2B5EF4-FFF2-40B4-BE49-F238E27FC236}">
-                <a16:creationId xmlns:a16="http://schemas.microsoft.com/office/drawing/2014/main" id="{96C4754C-F3E6-4930-9DDE-2AEEC9353AAD}"/>
+                <a16:creationId xmlns:a16="http://schemas.microsoft.com/office/drawing/2014/main" id="{49AAA2A6-56BB-4C71-AE5B-FC45A6568DD7}"/>
               </a:ext>
             </a:extLst>
           </p:cNvPr>
@@ -8369,7 +8299,7 @@
             <a:pPr algn="l"/>
             <a:r>
               <a:rPr lang="en-US" sz="4200"/>
-              <a:t>Layer 2</a:t>
+              <a:t>Layer 1</a:t>
             </a:r>
           </a:p>
         </p:txBody>
@@ -8442,7 +8372,7 @@
           <p:cNvPr id="6" name="Content Placeholder 5" descr="A close up of a logo&#10;&#10;Description automatically generated">
             <a:extLst>
               <a:ext uri="{FF2B5EF4-FFF2-40B4-BE49-F238E27FC236}">
-                <a16:creationId xmlns:a16="http://schemas.microsoft.com/office/drawing/2014/main" id="{5111C705-E54E-4F59-B728-4570324663CF}"/>
+                <a16:creationId xmlns:a16="http://schemas.microsoft.com/office/drawing/2014/main" id="{01EC54CD-D7B9-4E27-AA32-F2BDE03330C0}"/>
               </a:ext>
             </a:extLst>
           </p:cNvPr>
@@ -8472,7 +8402,7 @@
     </p:spTree>
     <p:extLst>
       <p:ext uri="{BB962C8B-B14F-4D97-AF65-F5344CB8AC3E}">
-        <p14:creationId xmlns:p14="http://schemas.microsoft.com/office/powerpoint/2010/main" val="1407293833"/>
+        <p14:creationId xmlns:p14="http://schemas.microsoft.com/office/powerpoint/2010/main" val="1988399572"/>
       </p:ext>
     </p:extLst>
   </p:cSld>
@@ -8583,7 +8513,7 @@
           <p:cNvPr id="2" name="Title 1">
             <a:extLst>
               <a:ext uri="{FF2B5EF4-FFF2-40B4-BE49-F238E27FC236}">
-                <a16:creationId xmlns:a16="http://schemas.microsoft.com/office/drawing/2014/main" id="{86FD15D5-0544-4125-A885-35C73F22FB83}"/>
+                <a16:creationId xmlns:a16="http://schemas.microsoft.com/office/drawing/2014/main" id="{96C4754C-F3E6-4930-9DDE-2AEEC9353AAD}"/>
               </a:ext>
             </a:extLst>
           </p:cNvPr>
@@ -8609,7 +8539,7 @@
             <a:pPr algn="l"/>
             <a:r>
               <a:rPr lang="en-US" sz="4200"/>
-              <a:t>Layer 3</a:t>
+              <a:t>Layer 2</a:t>
             </a:r>
           </a:p>
         </p:txBody>
@@ -8682,7 +8612,7 @@
           <p:cNvPr id="6" name="Content Placeholder 5" descr="A close up of a logo&#10;&#10;Description automatically generated">
             <a:extLst>
               <a:ext uri="{FF2B5EF4-FFF2-40B4-BE49-F238E27FC236}">
-                <a16:creationId xmlns:a16="http://schemas.microsoft.com/office/drawing/2014/main" id="{E9D97ADB-3732-4346-B91F-4778699ED929}"/>
+                <a16:creationId xmlns:a16="http://schemas.microsoft.com/office/drawing/2014/main" id="{5111C705-E54E-4F59-B728-4570324663CF}"/>
               </a:ext>
             </a:extLst>
           </p:cNvPr>
@@ -8712,7 +8642,7 @@
     </p:spTree>
     <p:extLst>
       <p:ext uri="{BB962C8B-B14F-4D97-AF65-F5344CB8AC3E}">
-        <p14:creationId xmlns:p14="http://schemas.microsoft.com/office/powerpoint/2010/main" val="226920475"/>
+        <p14:creationId xmlns:p14="http://schemas.microsoft.com/office/powerpoint/2010/main" val="1407293833"/>
       </p:ext>
     </p:extLst>
   </p:cSld>
@@ -8725,6 +8655,25 @@
 <file path=ppt/slides/slide19.xml><?xml version="1.0" encoding="utf-8"?>
 <p:sld xmlns:a="http://schemas.openxmlformats.org/drawingml/2006/main" xmlns:r="http://schemas.openxmlformats.org/officeDocument/2006/relationships" xmlns:p="http://schemas.openxmlformats.org/presentationml/2006/main">
   <p:cSld>
+    <p:bg>
+      <p:bgPr>
+        <a:blipFill rotWithShape="1">
+          <a:blip r:embed="rId2">
+            <a:duotone>
+              <a:schemeClr val="bg1">
+                <a:shade val="80000"/>
+                <a:lumMod val="80000"/>
+              </a:schemeClr>
+              <a:schemeClr val="bg1">
+                <a:tint val="98000"/>
+              </a:schemeClr>
+            </a:duotone>
+          </a:blip>
+          <a:stretch/>
+        </a:blipFill>
+        <a:effectLst/>
+      </p:bgPr>
+    </p:bg>
     <p:spTree>
       <p:nvGrpSpPr>
         <p:cNvPr id="1" name=""/>
@@ -8739,12 +8688,72 @@
           <a:chExt cx="0" cy="0"/>
         </a:xfrm>
       </p:grpSpPr>
+      <p:sp useBgFill="1">
+        <p:nvSpPr>
+          <p:cNvPr id="11" name="Rectangle 10">
+            <a:extLst>
+              <a:ext uri="{FF2B5EF4-FFF2-40B4-BE49-F238E27FC236}">
+                <a16:creationId xmlns:a16="http://schemas.microsoft.com/office/drawing/2014/main" id="{1E70A317-DCED-4E80-AA2D-467D8702E5CB}"/>
+              </a:ext>
+              <a:ext uri="{C183D7F6-B498-43B3-948B-1728B52AA6E4}">
+                <adec:decorative xmlns:adec="http://schemas.microsoft.com/office/drawing/2017/decorative" val="1"/>
+              </a:ext>
+            </a:extLst>
+          </p:cNvPr>
+          <p:cNvSpPr>
+            <a:spLocks noGrp="1" noRot="1" noChangeAspect="1" noMove="1" noResize="1" noEditPoints="1" noAdjustHandles="1" noChangeArrowheads="1" noChangeShapeType="1" noTextEdit="1"/>
+          </p:cNvSpPr>
+          <p:nvPr>
+            <p:extLst>
+              <p:ext uri="{386F3935-93C4-4BCD-93E2-E3B085C9AB24}">
+                <p16:designElem xmlns:p16="http://schemas.microsoft.com/office/powerpoint/2015/main" val="1"/>
+              </p:ext>
+            </p:extLst>
+          </p:nvPr>
+        </p:nvSpPr>
+        <p:spPr>
+          <a:xfrm>
+            <a:off x="0" y="0"/>
+            <a:ext cx="12192000" cy="6858000"/>
+          </a:xfrm>
+          <a:prstGeom prst="rect">
+            <a:avLst/>
+          </a:prstGeom>
+          <a:ln>
+            <a:noFill/>
+          </a:ln>
+        </p:spPr>
+        <p:style>
+          <a:lnRef idx="2">
+            <a:schemeClr val="accent1">
+              <a:shade val="50000"/>
+            </a:schemeClr>
+          </a:lnRef>
+          <a:fillRef idx="1">
+            <a:schemeClr val="accent1"/>
+          </a:fillRef>
+          <a:effectRef idx="0">
+            <a:schemeClr val="accent1"/>
+          </a:effectRef>
+          <a:fontRef idx="minor">
+            <a:schemeClr val="lt1"/>
+          </a:fontRef>
+        </p:style>
+        <p:txBody>
+          <a:bodyPr rtlCol="0" anchor="ctr"/>
+          <a:lstStyle/>
+          <a:p>
+            <a:pPr algn="ctr"/>
+            <a:endParaRPr lang="en-US"/>
+          </a:p>
+        </p:txBody>
+      </p:sp>
       <p:sp>
         <p:nvSpPr>
           <p:cNvPr id="2" name="Title 1">
             <a:extLst>
               <a:ext uri="{FF2B5EF4-FFF2-40B4-BE49-F238E27FC236}">
-                <a16:creationId xmlns:a16="http://schemas.microsoft.com/office/drawing/2014/main" id="{026AB218-FAB6-4250-8192-112E14450B94}"/>
+                <a16:creationId xmlns:a16="http://schemas.microsoft.com/office/drawing/2014/main" id="{86FD15D5-0544-4125-A885-35C73F22FB83}"/>
               </a:ext>
             </a:extLst>
           </p:cNvPr>
@@ -8755,76 +8764,115 @@
             <p:ph type="title"/>
           </p:nvPr>
         </p:nvSpPr>
-        <p:spPr/>
-        <p:txBody>
-          <a:bodyPr/>
-          <a:lstStyle/>
-          <a:p>
-            <a:r>
-              <a:rPr lang="en-US" dirty="0"/>
-              <a:t>Performance</a:t>
-            </a:r>
-          </a:p>
-        </p:txBody>
-      </p:sp>
-      <p:sp>
-        <p:nvSpPr>
-          <p:cNvPr id="3" name="Content Placeholder 2">
+        <p:spPr>
+          <a:xfrm>
+            <a:off x="861791" y="835383"/>
+            <a:ext cx="3382832" cy="3499549"/>
+          </a:xfrm>
+        </p:spPr>
+        <p:txBody>
+          <a:bodyPr vert="horz" lIns="91440" tIns="45720" rIns="91440" bIns="45720" rtlCol="0" anchor="b">
+            <a:normAutofit/>
+          </a:bodyPr>
+          <a:lstStyle/>
+          <a:p>
+            <a:pPr algn="l"/>
+            <a:r>
+              <a:rPr lang="en-US" sz="4200"/>
+              <a:t>Layer 3</a:t>
+            </a:r>
+          </a:p>
+        </p:txBody>
+      </p:sp>
+      <p:sp>
+        <p:nvSpPr>
+          <p:cNvPr id="13" name="Rectangle 12">
             <a:extLst>
               <a:ext uri="{FF2B5EF4-FFF2-40B4-BE49-F238E27FC236}">
-                <a16:creationId xmlns:a16="http://schemas.microsoft.com/office/drawing/2014/main" id="{7A14795C-689A-4842-A878-0A0421399C00}"/>
+                <a16:creationId xmlns:a16="http://schemas.microsoft.com/office/drawing/2014/main" id="{A6D87845-294F-40CB-BC48-46455460D292}"/>
+              </a:ext>
+              <a:ext uri="{C183D7F6-B498-43B3-948B-1728B52AA6E4}">
+                <adec:decorative xmlns:adec="http://schemas.microsoft.com/office/drawing/2017/decorative" val="1"/>
               </a:ext>
             </a:extLst>
           </p:cNvPr>
           <p:cNvSpPr>
-            <a:spLocks noGrp="1"/>
-          </p:cNvSpPr>
-          <p:nvPr>
-            <p:ph idx="1"/>
-          </p:nvPr>
-        </p:nvSpPr>
-        <p:spPr/>
-        <p:txBody>
-          <a:bodyPr/>
-          <a:lstStyle/>
-          <a:p>
-            <a:r>
-              <a:rPr lang="en-US" dirty="0"/>
-              <a:t>Runtime</a:t>
-            </a:r>
-          </a:p>
-          <a:p>
-            <a:pPr marL="36900" indent="0">
-              <a:buNone/>
-            </a:pPr>
-            <a:endParaRPr lang="en-US" dirty="0"/>
+            <a:spLocks noGrp="1" noRot="1" noChangeAspect="1" noMove="1" noResize="1" noEditPoints="1" noAdjustHandles="1" noChangeArrowheads="1" noChangeShapeType="1" noTextEdit="1"/>
+          </p:cNvSpPr>
+          <p:nvPr>
+            <p:extLst>
+              <p:ext uri="{386F3935-93C4-4BCD-93E2-E3B085C9AB24}">
+                <p16:designElem xmlns:p16="http://schemas.microsoft.com/office/powerpoint/2015/main" val="1"/>
+              </p:ext>
+            </p:extLst>
+          </p:nvPr>
+        </p:nvSpPr>
+        <p:spPr>
+          <a:xfrm>
+            <a:off x="4655671" y="0"/>
+            <a:ext cx="7536329" cy="6858000"/>
+          </a:xfrm>
+          <a:prstGeom prst="rect">
+            <a:avLst/>
+          </a:prstGeom>
+          <a:solidFill>
+            <a:schemeClr val="tx1"/>
+          </a:solidFill>
+          <a:ln>
+            <a:noFill/>
+          </a:ln>
+        </p:spPr>
+        <p:style>
+          <a:lnRef idx="2">
+            <a:schemeClr val="accent1">
+              <a:shade val="50000"/>
+            </a:schemeClr>
+          </a:lnRef>
+          <a:fillRef idx="1">
+            <a:schemeClr val="accent1"/>
+          </a:fillRef>
+          <a:effectRef idx="0">
+            <a:schemeClr val="accent1"/>
+          </a:effectRef>
+          <a:fontRef idx="minor">
+            <a:schemeClr val="lt1"/>
+          </a:fontRef>
+        </p:style>
+        <p:txBody>
+          <a:bodyPr rtlCol="0" anchor="ctr"/>
+          <a:lstStyle/>
+          <a:p>
+            <a:pPr algn="ctr"/>
+            <a:endParaRPr lang="en-US"/>
           </a:p>
         </p:txBody>
       </p:sp>
       <p:pic>
         <p:nvPicPr>
-          <p:cNvPr id="4" name="Picture 3">
+          <p:cNvPr id="6" name="Content Placeholder 5" descr="A close up of a logo&#10;&#10;Description automatically generated">
             <a:extLst>
               <a:ext uri="{FF2B5EF4-FFF2-40B4-BE49-F238E27FC236}">
-                <a16:creationId xmlns:a16="http://schemas.microsoft.com/office/drawing/2014/main" id="{BCADCBDB-4C08-42C6-BBAB-4EA45A36AF52}"/>
+                <a16:creationId xmlns:a16="http://schemas.microsoft.com/office/drawing/2014/main" id="{E9D97ADB-3732-4346-B91F-4778699ED929}"/>
               </a:ext>
             </a:extLst>
           </p:cNvPr>
           <p:cNvPicPr>
-            <a:picLocks noChangeAspect="1"/>
+            <a:picLocks noGrp="1" noChangeAspect="1"/>
           </p:cNvPicPr>
-          <p:nvPr/>
+          <p:nvPr>
+            <p:ph idx="1"/>
+          </p:nvPr>
         </p:nvPicPr>
         <p:blipFill>
-          <a:blip r:embed="rId2"/>
+          <a:blip r:embed="rId3"/>
           <a:stretch>
             <a:fillRect/>
           </a:stretch>
         </p:blipFill>
         <p:spPr>
           <a:xfrm>
-            <a:off x="2559050" y="2809875"/>
-            <a:ext cx="6057900" cy="2609850"/>
+            <a:off x="5603749" y="609600"/>
+            <a:ext cx="5638800" cy="5638800"/>
           </a:xfrm>
           <a:prstGeom prst="rect">
             <a:avLst/>
@@ -8834,7 +8882,7 @@
     </p:spTree>
     <p:extLst>
       <p:ext uri="{BB962C8B-B14F-4D97-AF65-F5344CB8AC3E}">
-        <p14:creationId xmlns:p14="http://schemas.microsoft.com/office/powerpoint/2010/main" val="3119049270"/>
+        <p14:creationId xmlns:p14="http://schemas.microsoft.com/office/powerpoint/2010/main" val="226920475"/>
       </p:ext>
     </p:extLst>
   </p:cSld>
@@ -9226,7 +9274,7 @@
           <a:p>
             <a:r>
               <a:rPr lang="en-US" dirty="0"/>
-              <a:t>Example Runs </a:t>
+              <a:t>Performance</a:t>
             </a:r>
           </a:p>
         </p:txBody>
@@ -9254,40 +9302,23 @@
           <a:p>
             <a:r>
               <a:rPr lang="en-US" dirty="0"/>
-              <a:t>This is the input file </a:t>
-            </a:r>
-          </a:p>
-          <a:p>
-            <a:r>
-              <a:rPr lang="en-US" dirty="0"/>
-              <a:t>The output </a:t>
-            </a:r>
-            <a:r>
-              <a:rPr lang="en-US" dirty="0" err="1"/>
-              <a:t>png</a:t>
-            </a:r>
-            <a:r>
-              <a:rPr lang="en-US" dirty="0"/>
-              <a:t> images are shown in the following slides, one layer in each slide. </a:t>
-            </a:r>
-          </a:p>
-          <a:p>
-            <a:r>
-              <a:rPr lang="en-US" dirty="0"/>
-              <a:t>This is path of the output of the sample</a:t>
-            </a:r>
-          </a:p>
-          <a:p>
+              <a:t>Runtime</a:t>
+            </a:r>
+          </a:p>
+          <a:p>
+            <a:pPr marL="36900" indent="0">
+              <a:buNone/>
+            </a:pPr>
             <a:endParaRPr lang="en-US" dirty="0"/>
           </a:p>
         </p:txBody>
       </p:sp>
       <p:pic>
         <p:nvPicPr>
-          <p:cNvPr id="5" name="Picture 4">
+          <p:cNvPr id="4" name="Picture 3">
             <a:extLst>
               <a:ext uri="{FF2B5EF4-FFF2-40B4-BE49-F238E27FC236}">
-                <a16:creationId xmlns:a16="http://schemas.microsoft.com/office/drawing/2014/main" id="{AD098030-79E6-47FA-826F-4608BC421D6E}"/>
+                <a16:creationId xmlns:a16="http://schemas.microsoft.com/office/drawing/2014/main" id="{BCADCBDB-4C08-42C6-BBAB-4EA45A36AF52}"/>
               </a:ext>
             </a:extLst>
           </p:cNvPr>
@@ -9304,38 +9335,8 @@
         </p:blipFill>
         <p:spPr>
           <a:xfrm>
-            <a:off x="5795554" y="1866900"/>
-            <a:ext cx="4257675" cy="609600"/>
-          </a:xfrm>
-          <a:prstGeom prst="rect">
-            <a:avLst/>
-          </a:prstGeom>
-        </p:spPr>
-      </p:pic>
-      <p:pic>
-        <p:nvPicPr>
-          <p:cNvPr id="7" name="Picture 6">
-            <a:extLst>
-              <a:ext uri="{FF2B5EF4-FFF2-40B4-BE49-F238E27FC236}">
-                <a16:creationId xmlns:a16="http://schemas.microsoft.com/office/drawing/2014/main" id="{76384F5B-E0FB-4171-856C-72135C8CDFBE}"/>
-              </a:ext>
-            </a:extLst>
-          </p:cNvPr>
-          <p:cNvPicPr>
-            <a:picLocks noChangeAspect="1"/>
-          </p:cNvPicPr>
-          <p:nvPr/>
-        </p:nvPicPr>
-        <p:blipFill>
-          <a:blip r:embed="rId3"/>
-          <a:stretch>
-            <a:fillRect/>
-          </a:stretch>
-        </p:blipFill>
-        <p:spPr>
-          <a:xfrm>
-            <a:off x="1642654" y="3933824"/>
-            <a:ext cx="8305800" cy="2238375"/>
+            <a:off x="2559050" y="2809875"/>
+            <a:ext cx="6057900" cy="2609850"/>
           </a:xfrm>
           <a:prstGeom prst="rect">
             <a:avLst/>
@@ -9345,7 +9346,7 @@
     </p:spTree>
     <p:extLst>
       <p:ext uri="{BB962C8B-B14F-4D97-AF65-F5344CB8AC3E}">
-        <p14:creationId xmlns:p14="http://schemas.microsoft.com/office/powerpoint/2010/main" val="2085499878"/>
+        <p14:creationId xmlns:p14="http://schemas.microsoft.com/office/powerpoint/2010/main" val="3119049270"/>
       </p:ext>
     </p:extLst>
   </p:cSld>
@@ -9377,7 +9378,7 @@
           <p:cNvPr id="2" name="Title 1">
             <a:extLst>
               <a:ext uri="{FF2B5EF4-FFF2-40B4-BE49-F238E27FC236}">
-                <a16:creationId xmlns:a16="http://schemas.microsoft.com/office/drawing/2014/main" id="{49AAA2A6-56BB-4C71-AE5B-FC45A6568DD7}"/>
+                <a16:creationId xmlns:a16="http://schemas.microsoft.com/office/drawing/2014/main" id="{026AB218-FAB6-4250-8192-112E14450B94}"/>
               </a:ext>
             </a:extLst>
           </p:cNvPr>
@@ -9393,30 +9394,77 @@
           <a:bodyPr/>
           <a:lstStyle/>
           <a:p>
-            <a:pPr algn="l"/>
-            <a:r>
-              <a:rPr lang="en-US"/>
-              <a:t>Layer 1</a:t>
-            </a:r>
+            <a:r>
+              <a:rPr lang="en-US" dirty="0"/>
+              <a:t>Example Runs </a:t>
+            </a:r>
+          </a:p>
+        </p:txBody>
+      </p:sp>
+      <p:sp>
+        <p:nvSpPr>
+          <p:cNvPr id="3" name="Content Placeholder 2">
+            <a:extLst>
+              <a:ext uri="{FF2B5EF4-FFF2-40B4-BE49-F238E27FC236}">
+                <a16:creationId xmlns:a16="http://schemas.microsoft.com/office/drawing/2014/main" id="{7A14795C-689A-4842-A878-0A0421399C00}"/>
+              </a:ext>
+            </a:extLst>
+          </p:cNvPr>
+          <p:cNvSpPr>
+            <a:spLocks noGrp="1"/>
+          </p:cNvSpPr>
+          <p:nvPr>
+            <p:ph idx="1"/>
+          </p:nvPr>
+        </p:nvSpPr>
+        <p:spPr/>
+        <p:txBody>
+          <a:bodyPr/>
+          <a:lstStyle/>
+          <a:p>
+            <a:r>
+              <a:rPr lang="en-US" dirty="0"/>
+              <a:t>This is the input file </a:t>
+            </a:r>
+          </a:p>
+          <a:p>
+            <a:r>
+              <a:rPr lang="en-US" dirty="0"/>
+              <a:t>The output </a:t>
+            </a:r>
+            <a:r>
+              <a:rPr lang="en-US" dirty="0" err="1"/>
+              <a:t>png</a:t>
+            </a:r>
+            <a:r>
+              <a:rPr lang="en-US" dirty="0"/>
+              <a:t> images are shown in the following slides, one layer in each slide. </a:t>
+            </a:r>
+          </a:p>
+          <a:p>
+            <a:r>
+              <a:rPr lang="en-US" dirty="0"/>
+              <a:t>This is path of the output of the sample</a:t>
+            </a:r>
+          </a:p>
+          <a:p>
             <a:endParaRPr lang="en-US" dirty="0"/>
           </a:p>
         </p:txBody>
       </p:sp>
       <p:pic>
         <p:nvPicPr>
-          <p:cNvPr id="6" name="Content Placeholder 5" descr="A close up of a logo&#10;&#10;Description automatically generated">
+          <p:cNvPr id="5" name="Picture 4">
             <a:extLst>
               <a:ext uri="{FF2B5EF4-FFF2-40B4-BE49-F238E27FC236}">
-                <a16:creationId xmlns:a16="http://schemas.microsoft.com/office/drawing/2014/main" id="{F8D5ABCF-A4BB-4D8F-93A6-57D8FA08603B}"/>
+                <a16:creationId xmlns:a16="http://schemas.microsoft.com/office/drawing/2014/main" id="{AD098030-79E6-47FA-826F-4608BC421D6E}"/>
               </a:ext>
             </a:extLst>
           </p:cNvPr>
           <p:cNvPicPr>
-            <a:picLocks noGrp="1" noChangeAspect="1"/>
+            <a:picLocks noChangeAspect="1"/>
           </p:cNvPicPr>
-          <p:nvPr>
-            <p:ph idx="1"/>
-          </p:nvPr>
+          <p:nvPr/>
         </p:nvPicPr>
         <p:blipFill>
           <a:blip r:embed="rId2"/>
@@ -9426,15 +9474,48 @@
         </p:blipFill>
         <p:spPr>
           <a:xfrm>
-            <a:off x="4170362" y="0"/>
-            <a:ext cx="6859588" cy="6859588"/>
-          </a:xfrm>
+            <a:off x="5795554" y="1866900"/>
+            <a:ext cx="4257675" cy="609600"/>
+          </a:xfrm>
+          <a:prstGeom prst="rect">
+            <a:avLst/>
+          </a:prstGeom>
+        </p:spPr>
+      </p:pic>
+      <p:pic>
+        <p:nvPicPr>
+          <p:cNvPr id="7" name="Picture 6">
+            <a:extLst>
+              <a:ext uri="{FF2B5EF4-FFF2-40B4-BE49-F238E27FC236}">
+                <a16:creationId xmlns:a16="http://schemas.microsoft.com/office/drawing/2014/main" id="{76384F5B-E0FB-4171-856C-72135C8CDFBE}"/>
+              </a:ext>
+            </a:extLst>
+          </p:cNvPr>
+          <p:cNvPicPr>
+            <a:picLocks noChangeAspect="1"/>
+          </p:cNvPicPr>
+          <p:nvPr/>
+        </p:nvPicPr>
+        <p:blipFill>
+          <a:blip r:embed="rId3"/>
+          <a:stretch>
+            <a:fillRect/>
+          </a:stretch>
+        </p:blipFill>
+        <p:spPr>
+          <a:xfrm>
+            <a:off x="1642654" y="3933824"/>
+            <a:ext cx="8305800" cy="2238375"/>
+          </a:xfrm>
+          <a:prstGeom prst="rect">
+            <a:avLst/>
+          </a:prstGeom>
         </p:spPr>
       </p:pic>
     </p:spTree>
     <p:extLst>
       <p:ext uri="{BB962C8B-B14F-4D97-AF65-F5344CB8AC3E}">
-        <p14:creationId xmlns:p14="http://schemas.microsoft.com/office/powerpoint/2010/main" val="333001328"/>
+        <p14:creationId xmlns:p14="http://schemas.microsoft.com/office/powerpoint/2010/main" val="2085499878"/>
       </p:ext>
     </p:extLst>
   </p:cSld>
@@ -9466,6 +9547,95 @@
           <p:cNvPr id="2" name="Title 1">
             <a:extLst>
               <a:ext uri="{FF2B5EF4-FFF2-40B4-BE49-F238E27FC236}">
+                <a16:creationId xmlns:a16="http://schemas.microsoft.com/office/drawing/2014/main" id="{49AAA2A6-56BB-4C71-AE5B-FC45A6568DD7}"/>
+              </a:ext>
+            </a:extLst>
+          </p:cNvPr>
+          <p:cNvSpPr>
+            <a:spLocks noGrp="1"/>
+          </p:cNvSpPr>
+          <p:nvPr>
+            <p:ph type="title"/>
+          </p:nvPr>
+        </p:nvSpPr>
+        <p:spPr/>
+        <p:txBody>
+          <a:bodyPr/>
+          <a:lstStyle/>
+          <a:p>
+            <a:pPr algn="l"/>
+            <a:r>
+              <a:rPr lang="en-US"/>
+              <a:t>Layer 1</a:t>
+            </a:r>
+            <a:endParaRPr lang="en-US" dirty="0"/>
+          </a:p>
+        </p:txBody>
+      </p:sp>
+      <p:pic>
+        <p:nvPicPr>
+          <p:cNvPr id="6" name="Content Placeholder 5" descr="A close up of a logo&#10;&#10;Description automatically generated">
+            <a:extLst>
+              <a:ext uri="{FF2B5EF4-FFF2-40B4-BE49-F238E27FC236}">
+                <a16:creationId xmlns:a16="http://schemas.microsoft.com/office/drawing/2014/main" id="{F8D5ABCF-A4BB-4D8F-93A6-57D8FA08603B}"/>
+              </a:ext>
+            </a:extLst>
+          </p:cNvPr>
+          <p:cNvPicPr>
+            <a:picLocks noGrp="1" noChangeAspect="1"/>
+          </p:cNvPicPr>
+          <p:nvPr>
+            <p:ph idx="1"/>
+          </p:nvPr>
+        </p:nvPicPr>
+        <p:blipFill>
+          <a:blip r:embed="rId2"/>
+          <a:stretch>
+            <a:fillRect/>
+          </a:stretch>
+        </p:blipFill>
+        <p:spPr>
+          <a:xfrm>
+            <a:off x="4170362" y="0"/>
+            <a:ext cx="6859588" cy="6859588"/>
+          </a:xfrm>
+        </p:spPr>
+      </p:pic>
+    </p:spTree>
+    <p:extLst>
+      <p:ext uri="{BB962C8B-B14F-4D97-AF65-F5344CB8AC3E}">
+        <p14:creationId xmlns:p14="http://schemas.microsoft.com/office/powerpoint/2010/main" val="333001328"/>
+      </p:ext>
+    </p:extLst>
+  </p:cSld>
+  <p:clrMapOvr>
+    <a:masterClrMapping/>
+  </p:clrMapOvr>
+</p:sld>
+</file>
+
+<file path=ppt/slides/slide23.xml><?xml version="1.0" encoding="utf-8"?>
+<p:sld xmlns:a="http://schemas.openxmlformats.org/drawingml/2006/main" xmlns:r="http://schemas.openxmlformats.org/officeDocument/2006/relationships" xmlns:p="http://schemas.openxmlformats.org/presentationml/2006/main">
+  <p:cSld>
+    <p:spTree>
+      <p:nvGrpSpPr>
+        <p:cNvPr id="1" name=""/>
+        <p:cNvGrpSpPr/>
+        <p:nvPr/>
+      </p:nvGrpSpPr>
+      <p:grpSpPr>
+        <a:xfrm>
+          <a:off x="0" y="0"/>
+          <a:ext cx="0" cy="0"/>
+          <a:chOff x="0" y="0"/>
+          <a:chExt cx="0" cy="0"/>
+        </a:xfrm>
+      </p:grpSpPr>
+      <p:sp>
+        <p:nvSpPr>
+          <p:cNvPr id="2" name="Title 1">
+            <a:extLst>
+              <a:ext uri="{FF2B5EF4-FFF2-40B4-BE49-F238E27FC236}">
                 <a16:creationId xmlns:a16="http://schemas.microsoft.com/office/drawing/2014/main" id="{96C4754C-F3E6-4930-9DDE-2AEEC9353AAD}"/>
               </a:ext>
             </a:extLst>
@@ -9532,7 +9702,7 @@
 </p:sld>
 </file>
 
-<file path=ppt/slides/slide23.xml><?xml version="1.0" encoding="utf-8"?>
+<file path=ppt/slides/slide24.xml><?xml version="1.0" encoding="utf-8"?>
 <p:sld xmlns:a="http://schemas.openxmlformats.org/drawingml/2006/main" xmlns:r="http://schemas.openxmlformats.org/officeDocument/2006/relationships" xmlns:p="http://schemas.openxmlformats.org/presentationml/2006/main">
   <p:cSld>
     <p:bg>
@@ -9748,175 +9918,6 @@
 </p:sld>
 </file>
 
-<file path=ppt/slides/slide24.xml><?xml version="1.0" encoding="utf-8"?>
-<p:sld xmlns:a="http://schemas.openxmlformats.org/drawingml/2006/main" xmlns:r="http://schemas.openxmlformats.org/officeDocument/2006/relationships" xmlns:p="http://schemas.openxmlformats.org/presentationml/2006/main">
-  <p:cSld>
-    <p:spTree>
-      <p:nvGrpSpPr>
-        <p:cNvPr id="1" name=""/>
-        <p:cNvGrpSpPr/>
-        <p:nvPr/>
-      </p:nvGrpSpPr>
-      <p:grpSpPr>
-        <a:xfrm>
-          <a:off x="0" y="0"/>
-          <a:ext cx="0" cy="0"/>
-          <a:chOff x="0" y="0"/>
-          <a:chExt cx="0" cy="0"/>
-        </a:xfrm>
-      </p:grpSpPr>
-      <p:sp>
-        <p:nvSpPr>
-          <p:cNvPr id="2" name="Title 1">
-            <a:extLst>
-              <a:ext uri="{FF2B5EF4-FFF2-40B4-BE49-F238E27FC236}">
-                <a16:creationId xmlns:a16="http://schemas.microsoft.com/office/drawing/2014/main" id="{026AB218-FAB6-4250-8192-112E14450B94}"/>
-              </a:ext>
-            </a:extLst>
-          </p:cNvPr>
-          <p:cNvSpPr>
-            <a:spLocks noGrp="1"/>
-          </p:cNvSpPr>
-          <p:nvPr>
-            <p:ph type="title"/>
-          </p:nvPr>
-        </p:nvSpPr>
-        <p:spPr/>
-        <p:txBody>
-          <a:bodyPr/>
-          <a:lstStyle/>
-          <a:p>
-            <a:r>
-              <a:rPr lang="en-US" dirty="0"/>
-              <a:t>Example Runs </a:t>
-            </a:r>
-          </a:p>
-        </p:txBody>
-      </p:sp>
-      <p:sp>
-        <p:nvSpPr>
-          <p:cNvPr id="3" name="Content Placeholder 2">
-            <a:extLst>
-              <a:ext uri="{FF2B5EF4-FFF2-40B4-BE49-F238E27FC236}">
-                <a16:creationId xmlns:a16="http://schemas.microsoft.com/office/drawing/2014/main" id="{7A14795C-689A-4842-A878-0A0421399C00}"/>
-              </a:ext>
-            </a:extLst>
-          </p:cNvPr>
-          <p:cNvSpPr>
-            <a:spLocks noGrp="1"/>
-          </p:cNvSpPr>
-          <p:nvPr>
-            <p:ph idx="1"/>
-          </p:nvPr>
-        </p:nvSpPr>
-        <p:spPr/>
-        <p:txBody>
-          <a:bodyPr/>
-          <a:lstStyle/>
-          <a:p>
-            <a:r>
-              <a:rPr lang="en-US" dirty="0"/>
-              <a:t>This is the input file </a:t>
-            </a:r>
-          </a:p>
-          <a:p>
-            <a:r>
-              <a:rPr lang="en-US" dirty="0"/>
-              <a:t>The output </a:t>
-            </a:r>
-            <a:r>
-              <a:rPr lang="en-US" dirty="0" err="1"/>
-              <a:t>png</a:t>
-            </a:r>
-            <a:r>
-              <a:rPr lang="en-US" dirty="0"/>
-              <a:t> images are shown in the following slides, one layer in each slide. </a:t>
-            </a:r>
-          </a:p>
-          <a:p>
-            <a:r>
-              <a:rPr lang="en-US" dirty="0"/>
-              <a:t>This is path of the output of the sample</a:t>
-            </a:r>
-          </a:p>
-          <a:p>
-            <a:endParaRPr lang="en-US" dirty="0"/>
-          </a:p>
-        </p:txBody>
-      </p:sp>
-      <p:pic>
-        <p:nvPicPr>
-          <p:cNvPr id="4" name="Picture 3">
-            <a:extLst>
-              <a:ext uri="{FF2B5EF4-FFF2-40B4-BE49-F238E27FC236}">
-                <a16:creationId xmlns:a16="http://schemas.microsoft.com/office/drawing/2014/main" id="{93C54D67-6EE0-4844-9453-1CD7B0922EBA}"/>
-              </a:ext>
-            </a:extLst>
-          </p:cNvPr>
-          <p:cNvPicPr>
-            <a:picLocks noChangeAspect="1"/>
-          </p:cNvPicPr>
-          <p:nvPr/>
-        </p:nvPicPr>
-        <p:blipFill>
-          <a:blip r:embed="rId2"/>
-          <a:stretch>
-            <a:fillRect/>
-          </a:stretch>
-        </p:blipFill>
-        <p:spPr>
-          <a:xfrm>
-            <a:off x="5795554" y="1704975"/>
-            <a:ext cx="4848225" cy="742950"/>
-          </a:xfrm>
-          <a:prstGeom prst="rect">
-            <a:avLst/>
-          </a:prstGeom>
-        </p:spPr>
-      </p:pic>
-      <p:pic>
-        <p:nvPicPr>
-          <p:cNvPr id="6" name="Picture 5">
-            <a:extLst>
-              <a:ext uri="{FF2B5EF4-FFF2-40B4-BE49-F238E27FC236}">
-                <a16:creationId xmlns:a16="http://schemas.microsoft.com/office/drawing/2014/main" id="{5B6EBC2C-52D2-48B6-AE09-E821C7208DA8}"/>
-              </a:ext>
-            </a:extLst>
-          </p:cNvPr>
-          <p:cNvPicPr>
-            <a:picLocks noChangeAspect="1"/>
-          </p:cNvPicPr>
-          <p:nvPr/>
-        </p:nvPicPr>
-        <p:blipFill>
-          <a:blip r:embed="rId3"/>
-          <a:stretch>
-            <a:fillRect/>
-          </a:stretch>
-        </p:blipFill>
-        <p:spPr>
-          <a:xfrm>
-            <a:off x="0" y="4133894"/>
-            <a:ext cx="12192000" cy="2038262"/>
-          </a:xfrm>
-          <a:prstGeom prst="rect">
-            <a:avLst/>
-          </a:prstGeom>
-        </p:spPr>
-      </p:pic>
-    </p:spTree>
-    <p:extLst>
-      <p:ext uri="{BB962C8B-B14F-4D97-AF65-F5344CB8AC3E}">
-        <p14:creationId xmlns:p14="http://schemas.microsoft.com/office/powerpoint/2010/main" val="3466283887"/>
-      </p:ext>
-    </p:extLst>
-  </p:cSld>
-  <p:clrMapOvr>
-    <a:masterClrMapping/>
-  </p:clrMapOvr>
-</p:sld>
-</file>
-
 <file path=ppt/slides/slide25.xml><?xml version="1.0" encoding="utf-8"?>
 <p:sld xmlns:a="http://schemas.openxmlformats.org/drawingml/2006/main" xmlns:r="http://schemas.openxmlformats.org/officeDocument/2006/relationships" xmlns:p="http://schemas.openxmlformats.org/presentationml/2006/main">
   <p:cSld>
@@ -9939,7 +9940,7 @@
           <p:cNvPr id="2" name="Title 1">
             <a:extLst>
               <a:ext uri="{FF2B5EF4-FFF2-40B4-BE49-F238E27FC236}">
-                <a16:creationId xmlns:a16="http://schemas.microsoft.com/office/drawing/2014/main" id="{49AAA2A6-56BB-4C71-AE5B-FC45A6568DD7}"/>
+                <a16:creationId xmlns:a16="http://schemas.microsoft.com/office/drawing/2014/main" id="{026AB218-FAB6-4250-8192-112E14450B94}"/>
               </a:ext>
             </a:extLst>
           </p:cNvPr>
@@ -9955,30 +9956,77 @@
           <a:bodyPr/>
           <a:lstStyle/>
           <a:p>
-            <a:pPr algn="l"/>
-            <a:r>
-              <a:rPr lang="en-US"/>
-              <a:t>Layer 1</a:t>
-            </a:r>
+            <a:r>
+              <a:rPr lang="en-US" dirty="0"/>
+              <a:t>Example Runs </a:t>
+            </a:r>
+          </a:p>
+        </p:txBody>
+      </p:sp>
+      <p:sp>
+        <p:nvSpPr>
+          <p:cNvPr id="3" name="Content Placeholder 2">
+            <a:extLst>
+              <a:ext uri="{FF2B5EF4-FFF2-40B4-BE49-F238E27FC236}">
+                <a16:creationId xmlns:a16="http://schemas.microsoft.com/office/drawing/2014/main" id="{7A14795C-689A-4842-A878-0A0421399C00}"/>
+              </a:ext>
+            </a:extLst>
+          </p:cNvPr>
+          <p:cNvSpPr>
+            <a:spLocks noGrp="1"/>
+          </p:cNvSpPr>
+          <p:nvPr>
+            <p:ph idx="1"/>
+          </p:nvPr>
+        </p:nvSpPr>
+        <p:spPr/>
+        <p:txBody>
+          <a:bodyPr/>
+          <a:lstStyle/>
+          <a:p>
+            <a:r>
+              <a:rPr lang="en-US" dirty="0"/>
+              <a:t>This is the input file </a:t>
+            </a:r>
+          </a:p>
+          <a:p>
+            <a:r>
+              <a:rPr lang="en-US" dirty="0"/>
+              <a:t>The output </a:t>
+            </a:r>
+            <a:r>
+              <a:rPr lang="en-US" dirty="0" err="1"/>
+              <a:t>png</a:t>
+            </a:r>
+            <a:r>
+              <a:rPr lang="en-US" dirty="0"/>
+              <a:t> images are shown in the following slides, one layer in each slide. </a:t>
+            </a:r>
+          </a:p>
+          <a:p>
+            <a:r>
+              <a:rPr lang="en-US" dirty="0"/>
+              <a:t>This is path of the output of the sample</a:t>
+            </a:r>
+          </a:p>
+          <a:p>
             <a:endParaRPr lang="en-US" dirty="0"/>
           </a:p>
         </p:txBody>
       </p:sp>
       <p:pic>
         <p:nvPicPr>
-          <p:cNvPr id="7" name="Content Placeholder 6" descr="A close up of a logo&#10;&#10;Description automatically generated">
+          <p:cNvPr id="4" name="Picture 3">
             <a:extLst>
               <a:ext uri="{FF2B5EF4-FFF2-40B4-BE49-F238E27FC236}">
-                <a16:creationId xmlns:a16="http://schemas.microsoft.com/office/drawing/2014/main" id="{29840185-90C0-4732-A381-150444BBA5C8}"/>
+                <a16:creationId xmlns:a16="http://schemas.microsoft.com/office/drawing/2014/main" id="{93C54D67-6EE0-4844-9453-1CD7B0922EBA}"/>
               </a:ext>
             </a:extLst>
           </p:cNvPr>
           <p:cNvPicPr>
-            <a:picLocks noGrp="1" noChangeAspect="1"/>
+            <a:picLocks noChangeAspect="1"/>
           </p:cNvPicPr>
-          <p:nvPr>
-            <p:ph idx="1"/>
-          </p:nvPr>
+          <p:nvPr/>
         </p:nvPicPr>
         <p:blipFill>
           <a:blip r:embed="rId2"/>
@@ -9988,15 +10036,48 @@
         </p:blipFill>
         <p:spPr>
           <a:xfrm>
-            <a:off x="4233300" y="9524"/>
-            <a:ext cx="6853799" cy="6853799"/>
-          </a:xfrm>
+            <a:off x="5795554" y="1704975"/>
+            <a:ext cx="4848225" cy="742950"/>
+          </a:xfrm>
+          <a:prstGeom prst="rect">
+            <a:avLst/>
+          </a:prstGeom>
+        </p:spPr>
+      </p:pic>
+      <p:pic>
+        <p:nvPicPr>
+          <p:cNvPr id="6" name="Picture 5">
+            <a:extLst>
+              <a:ext uri="{FF2B5EF4-FFF2-40B4-BE49-F238E27FC236}">
+                <a16:creationId xmlns:a16="http://schemas.microsoft.com/office/drawing/2014/main" id="{5B6EBC2C-52D2-48B6-AE09-E821C7208DA8}"/>
+              </a:ext>
+            </a:extLst>
+          </p:cNvPr>
+          <p:cNvPicPr>
+            <a:picLocks noChangeAspect="1"/>
+          </p:cNvPicPr>
+          <p:nvPr/>
+        </p:nvPicPr>
+        <p:blipFill>
+          <a:blip r:embed="rId3"/>
+          <a:stretch>
+            <a:fillRect/>
+          </a:stretch>
+        </p:blipFill>
+        <p:spPr>
+          <a:xfrm>
+            <a:off x="0" y="4133894"/>
+            <a:ext cx="12192000" cy="2038262"/>
+          </a:xfrm>
+          <a:prstGeom prst="rect">
+            <a:avLst/>
+          </a:prstGeom>
         </p:spPr>
       </p:pic>
     </p:spTree>
     <p:extLst>
       <p:ext uri="{BB962C8B-B14F-4D97-AF65-F5344CB8AC3E}">
-        <p14:creationId xmlns:p14="http://schemas.microsoft.com/office/powerpoint/2010/main" val="3704843098"/>
+        <p14:creationId xmlns:p14="http://schemas.microsoft.com/office/powerpoint/2010/main" val="3466283887"/>
       </p:ext>
     </p:extLst>
   </p:cSld>
@@ -10028,7 +10109,7 @@
           <p:cNvPr id="2" name="Title 1">
             <a:extLst>
               <a:ext uri="{FF2B5EF4-FFF2-40B4-BE49-F238E27FC236}">
-                <a16:creationId xmlns:a16="http://schemas.microsoft.com/office/drawing/2014/main" id="{96C4754C-F3E6-4930-9DDE-2AEEC9353AAD}"/>
+                <a16:creationId xmlns:a16="http://schemas.microsoft.com/office/drawing/2014/main" id="{49AAA2A6-56BB-4C71-AE5B-FC45A6568DD7}"/>
               </a:ext>
             </a:extLst>
           </p:cNvPr>
@@ -10046,9 +10127,10 @@
           <a:p>
             <a:pPr algn="l"/>
             <a:r>
-              <a:rPr lang="en-US" dirty="0"/>
-              <a:t>Layer 2</a:t>
-            </a:r>
+              <a:rPr lang="en-US"/>
+              <a:t>Layer 1</a:t>
+            </a:r>
+            <a:endParaRPr lang="en-US" dirty="0"/>
           </a:p>
         </p:txBody>
       </p:sp>
@@ -10057,7 +10139,7 @@
           <p:cNvPr id="7" name="Content Placeholder 6" descr="A close up of a logo&#10;&#10;Description automatically generated">
             <a:extLst>
               <a:ext uri="{FF2B5EF4-FFF2-40B4-BE49-F238E27FC236}">
-                <a16:creationId xmlns:a16="http://schemas.microsoft.com/office/drawing/2014/main" id="{7906995B-DCFF-48E6-802F-71AF92D1670C}"/>
+                <a16:creationId xmlns:a16="http://schemas.microsoft.com/office/drawing/2014/main" id="{29840185-90C0-4732-A381-150444BBA5C8}"/>
               </a:ext>
             </a:extLst>
           </p:cNvPr>
@@ -10076,15 +10158,15 @@
         </p:blipFill>
         <p:spPr>
           <a:xfrm>
-            <a:off x="4398961" y="9524"/>
-            <a:ext cx="6868595" cy="6868595"/>
+            <a:off x="4233300" y="9524"/>
+            <a:ext cx="6853799" cy="6853799"/>
           </a:xfrm>
         </p:spPr>
       </p:pic>
     </p:spTree>
     <p:extLst>
       <p:ext uri="{BB962C8B-B14F-4D97-AF65-F5344CB8AC3E}">
-        <p14:creationId xmlns:p14="http://schemas.microsoft.com/office/powerpoint/2010/main" val="2092170689"/>
+        <p14:creationId xmlns:p14="http://schemas.microsoft.com/office/powerpoint/2010/main" val="3704843098"/>
       </p:ext>
     </p:extLst>
   </p:cSld>
@@ -10135,17 +10217,17 @@
             <a:pPr algn="l"/>
             <a:r>
               <a:rPr lang="en-US" dirty="0"/>
-              <a:t>Layer 3</a:t>
+              <a:t>Layer 2</a:t>
             </a:r>
           </a:p>
         </p:txBody>
       </p:sp>
       <p:pic>
         <p:nvPicPr>
-          <p:cNvPr id="6" name="Content Placeholder 5" descr="A picture containing bird&#10;&#10;Description automatically generated">
+          <p:cNvPr id="7" name="Content Placeholder 6" descr="A close up of a logo&#10;&#10;Description automatically generated">
             <a:extLst>
               <a:ext uri="{FF2B5EF4-FFF2-40B4-BE49-F238E27FC236}">
-                <a16:creationId xmlns:a16="http://schemas.microsoft.com/office/drawing/2014/main" id="{ACC47D68-5A74-4071-BA19-5A001F49F89B}"/>
+                <a16:creationId xmlns:a16="http://schemas.microsoft.com/office/drawing/2014/main" id="{7906995B-DCFF-48E6-802F-71AF92D1670C}"/>
               </a:ext>
             </a:extLst>
           </p:cNvPr>
@@ -10164,15 +10246,15 @@
         </p:blipFill>
         <p:spPr>
           <a:xfrm>
-            <a:off x="4830761" y="9524"/>
-            <a:ext cx="6848475" cy="6848475"/>
+            <a:off x="4398961" y="9524"/>
+            <a:ext cx="6868595" cy="6868595"/>
           </a:xfrm>
         </p:spPr>
       </p:pic>
     </p:spTree>
     <p:extLst>
       <p:ext uri="{BB962C8B-B14F-4D97-AF65-F5344CB8AC3E}">
-        <p14:creationId xmlns:p14="http://schemas.microsoft.com/office/powerpoint/2010/main" val="2536740119"/>
+        <p14:creationId xmlns:p14="http://schemas.microsoft.com/office/powerpoint/2010/main" val="2092170689"/>
       </p:ext>
     </p:extLst>
   </p:cSld>
@@ -10223,6 +10305,94 @@
             <a:pPr algn="l"/>
             <a:r>
               <a:rPr lang="en-US" dirty="0"/>
+              <a:t>Layer 3</a:t>
+            </a:r>
+          </a:p>
+        </p:txBody>
+      </p:sp>
+      <p:pic>
+        <p:nvPicPr>
+          <p:cNvPr id="6" name="Content Placeholder 5" descr="A picture containing bird&#10;&#10;Description automatically generated">
+            <a:extLst>
+              <a:ext uri="{FF2B5EF4-FFF2-40B4-BE49-F238E27FC236}">
+                <a16:creationId xmlns:a16="http://schemas.microsoft.com/office/drawing/2014/main" id="{ACC47D68-5A74-4071-BA19-5A001F49F89B}"/>
+              </a:ext>
+            </a:extLst>
+          </p:cNvPr>
+          <p:cNvPicPr>
+            <a:picLocks noGrp="1" noChangeAspect="1"/>
+          </p:cNvPicPr>
+          <p:nvPr>
+            <p:ph idx="1"/>
+          </p:nvPr>
+        </p:nvPicPr>
+        <p:blipFill>
+          <a:blip r:embed="rId2"/>
+          <a:stretch>
+            <a:fillRect/>
+          </a:stretch>
+        </p:blipFill>
+        <p:spPr>
+          <a:xfrm>
+            <a:off x="4830761" y="9524"/>
+            <a:ext cx="6848475" cy="6848475"/>
+          </a:xfrm>
+        </p:spPr>
+      </p:pic>
+    </p:spTree>
+    <p:extLst>
+      <p:ext uri="{BB962C8B-B14F-4D97-AF65-F5344CB8AC3E}">
+        <p14:creationId xmlns:p14="http://schemas.microsoft.com/office/powerpoint/2010/main" val="2536740119"/>
+      </p:ext>
+    </p:extLst>
+  </p:cSld>
+  <p:clrMapOvr>
+    <a:masterClrMapping/>
+  </p:clrMapOvr>
+</p:sld>
+</file>
+
+<file path=ppt/slides/slide29.xml><?xml version="1.0" encoding="utf-8"?>
+<p:sld xmlns:a="http://schemas.openxmlformats.org/drawingml/2006/main" xmlns:r="http://schemas.openxmlformats.org/officeDocument/2006/relationships" xmlns:p="http://schemas.openxmlformats.org/presentationml/2006/main">
+  <p:cSld>
+    <p:spTree>
+      <p:nvGrpSpPr>
+        <p:cNvPr id="1" name=""/>
+        <p:cNvGrpSpPr/>
+        <p:nvPr/>
+      </p:nvGrpSpPr>
+      <p:grpSpPr>
+        <a:xfrm>
+          <a:off x="0" y="0"/>
+          <a:ext cx="0" cy="0"/>
+          <a:chOff x="0" y="0"/>
+          <a:chExt cx="0" cy="0"/>
+        </a:xfrm>
+      </p:grpSpPr>
+      <p:sp>
+        <p:nvSpPr>
+          <p:cNvPr id="2" name="Title 1">
+            <a:extLst>
+              <a:ext uri="{FF2B5EF4-FFF2-40B4-BE49-F238E27FC236}">
+                <a16:creationId xmlns:a16="http://schemas.microsoft.com/office/drawing/2014/main" id="{96C4754C-F3E6-4930-9DDE-2AEEC9353AAD}"/>
+              </a:ext>
+            </a:extLst>
+          </p:cNvPr>
+          <p:cNvSpPr>
+            <a:spLocks noGrp="1"/>
+          </p:cNvSpPr>
+          <p:nvPr>
+            <p:ph type="title"/>
+          </p:nvPr>
+        </p:nvSpPr>
+        <p:spPr/>
+        <p:txBody>
+          <a:bodyPr/>
+          <a:lstStyle/>
+          <a:p>
+            <a:pPr algn="l"/>
+            <a:r>
+              <a:rPr lang="en-US" dirty="0"/>
               <a:t>Layer 4</a:t>
             </a:r>
           </a:p>
@@ -10270,7 +10440,344 @@
 </p:sld>
 </file>
 
-<file path=ppt/slides/slide29.xml><?xml version="1.0" encoding="utf-8"?>
+<file path=ppt/slides/slide3.xml><?xml version="1.0" encoding="utf-8"?>
+<p:sld xmlns:a="http://schemas.openxmlformats.org/drawingml/2006/main" xmlns:r="http://schemas.openxmlformats.org/officeDocument/2006/relationships" xmlns:p="http://schemas.openxmlformats.org/presentationml/2006/main">
+  <p:cSld>
+    <p:spTree>
+      <p:nvGrpSpPr>
+        <p:cNvPr id="1" name=""/>
+        <p:cNvGrpSpPr/>
+        <p:nvPr/>
+      </p:nvGrpSpPr>
+      <p:grpSpPr>
+        <a:xfrm>
+          <a:off x="0" y="0"/>
+          <a:ext cx="0" cy="0"/>
+          <a:chOff x="0" y="0"/>
+          <a:chExt cx="0" cy="0"/>
+        </a:xfrm>
+      </p:grpSpPr>
+      <p:sp>
+        <p:nvSpPr>
+          <p:cNvPr id="2" name="Title 1">
+            <a:extLst>
+              <a:ext uri="{FF2B5EF4-FFF2-40B4-BE49-F238E27FC236}">
+                <a16:creationId xmlns:a16="http://schemas.microsoft.com/office/drawing/2014/main" id="{AFEFAB4F-7329-4509-82C9-BEF41E3A65E8}"/>
+              </a:ext>
+            </a:extLst>
+          </p:cNvPr>
+          <p:cNvSpPr>
+            <a:spLocks noGrp="1"/>
+          </p:cNvSpPr>
+          <p:nvPr>
+            <p:ph type="title"/>
+          </p:nvPr>
+        </p:nvSpPr>
+        <p:spPr/>
+        <p:txBody>
+          <a:bodyPr/>
+          <a:lstStyle/>
+          <a:p>
+            <a:r>
+              <a:rPr lang="en-US" dirty="0"/>
+              <a:t>Division of the work</a:t>
+            </a:r>
+          </a:p>
+        </p:txBody>
+      </p:sp>
+      <p:sp>
+        <p:nvSpPr>
+          <p:cNvPr id="3" name="Content Placeholder 2">
+            <a:extLst>
+              <a:ext uri="{FF2B5EF4-FFF2-40B4-BE49-F238E27FC236}">
+                <a16:creationId xmlns:a16="http://schemas.microsoft.com/office/drawing/2014/main" id="{F1689685-1205-47B7-988C-43782EBCD450}"/>
+              </a:ext>
+            </a:extLst>
+          </p:cNvPr>
+          <p:cNvSpPr>
+            <a:spLocks noGrp="1"/>
+          </p:cNvSpPr>
+          <p:nvPr>
+            <p:ph idx="1"/>
+          </p:nvPr>
+        </p:nvSpPr>
+        <p:spPr>
+          <a:xfrm>
+            <a:off x="913795" y="2113772"/>
+            <a:ext cx="3891470" cy="3714749"/>
+          </a:xfrm>
+        </p:spPr>
+        <p:txBody>
+          <a:bodyPr>
+            <a:normAutofit lnSpcReduction="10000"/>
+          </a:bodyPr>
+          <a:lstStyle/>
+          <a:p>
+            <a:pPr marL="36900" indent="0" algn="ctr">
+              <a:buNone/>
+            </a:pPr>
+            <a:r>
+              <a:rPr lang="en-US" b="1" i="1" u="sng" dirty="0"/>
+              <a:t>Ismael Elsharkawi </a:t>
+            </a:r>
+          </a:p>
+          <a:p>
+            <a:r>
+              <a:rPr lang="en-US" dirty="0"/>
+              <a:t>Built the Input Parser</a:t>
+            </a:r>
+          </a:p>
+          <a:p>
+            <a:r>
+              <a:rPr lang="en-US" dirty="0"/>
+              <a:t>Worked on some modifications in the A* Algorithm in python</a:t>
+            </a:r>
+          </a:p>
+          <a:p>
+            <a:r>
+              <a:rPr lang="en-US" dirty="0"/>
+              <a:t>Made the PNG drawer</a:t>
+            </a:r>
+          </a:p>
+          <a:p>
+            <a:r>
+              <a:rPr lang="en-US" dirty="0"/>
+              <a:t>Made the DEF and LEF parsers in python</a:t>
+            </a:r>
+          </a:p>
+          <a:p>
+            <a:endParaRPr lang="en-US" dirty="0"/>
+          </a:p>
+        </p:txBody>
+      </p:sp>
+      <p:sp>
+        <p:nvSpPr>
+          <p:cNvPr id="7" name="TextBox 6">
+            <a:extLst>
+              <a:ext uri="{FF2B5EF4-FFF2-40B4-BE49-F238E27FC236}">
+                <a16:creationId xmlns:a16="http://schemas.microsoft.com/office/drawing/2014/main" id="{13746093-DA34-4080-98EA-8683E4E33B70}"/>
+              </a:ext>
+            </a:extLst>
+          </p:cNvPr>
+          <p:cNvSpPr txBox="1"/>
+          <p:nvPr/>
+        </p:nvSpPr>
+        <p:spPr>
+          <a:xfrm>
+            <a:off x="4742014" y="2113772"/>
+            <a:ext cx="2697324" cy="4185761"/>
+          </a:xfrm>
+          <a:prstGeom prst="rect">
+            <a:avLst/>
+          </a:prstGeom>
+          <a:noFill/>
+        </p:spPr>
+        <p:txBody>
+          <a:bodyPr wrap="square" rtlCol="0">
+            <a:spAutoFit/>
+          </a:bodyPr>
+          <a:lstStyle/>
+          <a:p>
+            <a:pPr algn="ctr"/>
+            <a:r>
+              <a:rPr lang="en-US" sz="2300" b="1" i="1" u="sng" dirty="0">
+                <a:solidFill>
+                  <a:schemeClr val="tx2"/>
+                </a:solidFill>
+                <a:effectLst>
+                  <a:outerShdw blurRad="38100" dist="38100" dir="2700000" algn="tl">
+                    <a:srgbClr val="000000">
+                      <a:alpha val="43137"/>
+                    </a:srgbClr>
+                  </a:outerShdw>
+                </a:effectLst>
+              </a:rPr>
+              <a:t>Mahmoud Ahmed</a:t>
+            </a:r>
+          </a:p>
+          <a:p>
+            <a:pPr marL="285750" indent="-285750">
+              <a:buFont typeface="Courier New" panose="02070309020205020404" pitchFamily="49" charset="0"/>
+              <a:buChar char="o"/>
+            </a:pPr>
+            <a:r>
+              <a:rPr lang="en-US" sz="2300" dirty="0">
+                <a:solidFill>
+                  <a:schemeClr val="tx2"/>
+                </a:solidFill>
+                <a:effectLst>
+                  <a:outerShdw blurRad="38100" dist="38100" dir="2700000" algn="tl">
+                    <a:srgbClr val="000000">
+                      <a:alpha val="43137"/>
+                    </a:srgbClr>
+                  </a:outerShdw>
+                </a:effectLst>
+              </a:rPr>
+              <a:t>Built most of the A* algorithm and its classes including the pins, the nodes.</a:t>
+            </a:r>
+          </a:p>
+          <a:p>
+            <a:pPr marL="285750" indent="-285750">
+              <a:buFont typeface="Courier New" panose="02070309020205020404" pitchFamily="49" charset="0"/>
+              <a:buChar char="o"/>
+            </a:pPr>
+            <a:r>
+              <a:rPr lang="en-US" sz="2300" dirty="0">
+                <a:solidFill>
+                  <a:schemeClr val="tx2"/>
+                </a:solidFill>
+                <a:effectLst>
+                  <a:outerShdw blurRad="38100" dist="38100" dir="2700000" algn="tl">
+                    <a:srgbClr val="000000">
+                      <a:alpha val="43137"/>
+                    </a:srgbClr>
+                  </a:outerShdw>
+                </a:effectLst>
+              </a:rPr>
+              <a:t>Made most of the routing algorithm using the A* algorithm</a:t>
+            </a:r>
+          </a:p>
+          <a:p>
+            <a:endParaRPr lang="en-US" dirty="0">
+              <a:solidFill>
+                <a:schemeClr val="tx2"/>
+              </a:solidFill>
+            </a:endParaRPr>
+          </a:p>
+          <a:p>
+            <a:endParaRPr lang="en-US" dirty="0"/>
+          </a:p>
+        </p:txBody>
+      </p:sp>
+      <p:sp>
+        <p:nvSpPr>
+          <p:cNvPr id="9" name="TextBox 8">
+            <a:extLst>
+              <a:ext uri="{FF2B5EF4-FFF2-40B4-BE49-F238E27FC236}">
+                <a16:creationId xmlns:a16="http://schemas.microsoft.com/office/drawing/2014/main" id="{6E20F148-FD59-47EA-A382-B0276215219A}"/>
+              </a:ext>
+            </a:extLst>
+          </p:cNvPr>
+          <p:cNvSpPr txBox="1"/>
+          <p:nvPr/>
+        </p:nvSpPr>
+        <p:spPr>
+          <a:xfrm>
+            <a:off x="8514184" y="2225739"/>
+            <a:ext cx="2943808" cy="2923877"/>
+          </a:xfrm>
+          <a:prstGeom prst="rect">
+            <a:avLst/>
+          </a:prstGeom>
+          <a:noFill/>
+        </p:spPr>
+        <p:txBody>
+          <a:bodyPr wrap="square" rtlCol="0">
+            <a:spAutoFit/>
+          </a:bodyPr>
+          <a:lstStyle/>
+          <a:p>
+            <a:r>
+              <a:rPr lang="en-US" sz="2300" b="1" i="1" u="sng" dirty="0">
+                <a:solidFill>
+                  <a:schemeClr val="tx2"/>
+                </a:solidFill>
+                <a:effectLst>
+                  <a:outerShdw blurRad="38100" dist="38100" dir="2700000" algn="tl">
+                    <a:srgbClr val="000000">
+                      <a:alpha val="43137"/>
+                    </a:srgbClr>
+                  </a:outerShdw>
+                </a:effectLst>
+              </a:rPr>
+              <a:t>Ahmed </a:t>
+            </a:r>
+            <a:r>
+              <a:rPr lang="en-US" sz="2300" b="1" i="1" u="sng" dirty="0" err="1">
+                <a:solidFill>
+                  <a:schemeClr val="tx2"/>
+                </a:solidFill>
+                <a:effectLst>
+                  <a:outerShdw blurRad="38100" dist="38100" dir="2700000" algn="tl">
+                    <a:srgbClr val="000000">
+                      <a:alpha val="43137"/>
+                    </a:srgbClr>
+                  </a:outerShdw>
+                </a:effectLst>
+              </a:rPr>
+              <a:t>Hamouda</a:t>
+            </a:r>
+            <a:endParaRPr lang="en-US" sz="2300" b="1" i="1" u="sng" dirty="0">
+              <a:solidFill>
+                <a:schemeClr val="tx2"/>
+              </a:solidFill>
+              <a:effectLst>
+                <a:outerShdw blurRad="38100" dist="38100" dir="2700000" algn="tl">
+                  <a:srgbClr val="000000">
+                    <a:alpha val="43137"/>
+                  </a:srgbClr>
+                </a:outerShdw>
+              </a:effectLst>
+            </a:endParaRPr>
+          </a:p>
+          <a:p>
+            <a:pPr marL="285750" indent="-285750">
+              <a:buFont typeface="Wingdings" panose="05000000000000000000" pitchFamily="2" charset="2"/>
+              <a:buChar char="§"/>
+            </a:pPr>
+            <a:r>
+              <a:rPr lang="en-US" sz="2300" dirty="0">
+                <a:solidFill>
+                  <a:schemeClr val="tx2"/>
+                </a:solidFill>
+                <a:effectLst>
+                  <a:outerShdw blurRad="38100" dist="38100" dir="2700000" algn="tl">
+                    <a:srgbClr val="000000">
+                      <a:alpha val="43137"/>
+                    </a:srgbClr>
+                  </a:outerShdw>
+                </a:effectLst>
+              </a:rPr>
+              <a:t>Worked on the A* algorithm in C++ before switching to python, then worked on it with python.</a:t>
+            </a:r>
+          </a:p>
+          <a:p>
+            <a:pPr marL="285750" indent="-285750">
+              <a:buFont typeface="Wingdings" panose="05000000000000000000" pitchFamily="2" charset="2"/>
+              <a:buChar char="§"/>
+            </a:pPr>
+            <a:r>
+              <a:rPr lang="en-US" sz="2300" dirty="0">
+                <a:solidFill>
+                  <a:schemeClr val="tx2"/>
+                </a:solidFill>
+                <a:effectLst>
+                  <a:outerShdw blurRad="38100" dist="38100" dir="2700000" algn="tl">
+                    <a:srgbClr val="000000">
+                      <a:alpha val="43137"/>
+                    </a:srgbClr>
+                  </a:outerShdw>
+                </a:effectLst>
+              </a:rPr>
+              <a:t>Fixed some issues in the A* algorithm</a:t>
+            </a:r>
+          </a:p>
+        </p:txBody>
+      </p:sp>
+    </p:spTree>
+    <p:extLst>
+      <p:ext uri="{BB962C8B-B14F-4D97-AF65-F5344CB8AC3E}">
+        <p14:creationId xmlns:p14="http://schemas.microsoft.com/office/powerpoint/2010/main" val="3854361480"/>
+      </p:ext>
+    </p:extLst>
+  </p:cSld>
+  <p:clrMapOvr>
+    <a:masterClrMapping/>
+  </p:clrMapOvr>
+</p:sld>
+</file>
+
+<file path=ppt/slides/slide30.xml><?xml version="1.0" encoding="utf-8"?>
 <p:sld xmlns:a="http://schemas.openxmlformats.org/drawingml/2006/main" xmlns:r="http://schemas.openxmlformats.org/officeDocument/2006/relationships" xmlns:p="http://schemas.openxmlformats.org/presentationml/2006/main">
   <p:cSld>
     <p:bg>
@@ -10486,512 +10993,6 @@
 </p:sld>
 </file>
 
-<file path=ppt/slides/slide3.xml><?xml version="1.0" encoding="utf-8"?>
-<p:sld xmlns:a="http://schemas.openxmlformats.org/drawingml/2006/main" xmlns:r="http://schemas.openxmlformats.org/officeDocument/2006/relationships" xmlns:p="http://schemas.openxmlformats.org/presentationml/2006/main">
-  <p:cSld>
-    <p:spTree>
-      <p:nvGrpSpPr>
-        <p:cNvPr id="1" name=""/>
-        <p:cNvGrpSpPr/>
-        <p:nvPr/>
-      </p:nvGrpSpPr>
-      <p:grpSpPr>
-        <a:xfrm>
-          <a:off x="0" y="0"/>
-          <a:ext cx="0" cy="0"/>
-          <a:chOff x="0" y="0"/>
-          <a:chExt cx="0" cy="0"/>
-        </a:xfrm>
-      </p:grpSpPr>
-      <p:sp>
-        <p:nvSpPr>
-          <p:cNvPr id="2" name="Title 1">
-            <a:extLst>
-              <a:ext uri="{FF2B5EF4-FFF2-40B4-BE49-F238E27FC236}">
-                <a16:creationId xmlns:a16="http://schemas.microsoft.com/office/drawing/2014/main" id="{AFEFAB4F-7329-4509-82C9-BEF41E3A65E8}"/>
-              </a:ext>
-            </a:extLst>
-          </p:cNvPr>
-          <p:cNvSpPr>
-            <a:spLocks noGrp="1"/>
-          </p:cNvSpPr>
-          <p:nvPr>
-            <p:ph type="title"/>
-          </p:nvPr>
-        </p:nvSpPr>
-        <p:spPr/>
-        <p:txBody>
-          <a:bodyPr/>
-          <a:lstStyle/>
-          <a:p>
-            <a:r>
-              <a:rPr lang="en-US" dirty="0"/>
-              <a:t>Division of the work</a:t>
-            </a:r>
-          </a:p>
-        </p:txBody>
-      </p:sp>
-      <p:sp>
-        <p:nvSpPr>
-          <p:cNvPr id="3" name="Content Placeholder 2">
-            <a:extLst>
-              <a:ext uri="{FF2B5EF4-FFF2-40B4-BE49-F238E27FC236}">
-                <a16:creationId xmlns:a16="http://schemas.microsoft.com/office/drawing/2014/main" id="{F1689685-1205-47B7-988C-43782EBCD450}"/>
-              </a:ext>
-            </a:extLst>
-          </p:cNvPr>
-          <p:cNvSpPr>
-            <a:spLocks noGrp="1"/>
-          </p:cNvSpPr>
-          <p:nvPr>
-            <p:ph idx="1"/>
-          </p:nvPr>
-        </p:nvSpPr>
-        <p:spPr>
-          <a:xfrm>
-            <a:off x="913795" y="2113772"/>
-            <a:ext cx="3891470" cy="3714749"/>
-          </a:xfrm>
-        </p:spPr>
-        <p:txBody>
-          <a:bodyPr>
-            <a:normAutofit lnSpcReduction="10000"/>
-          </a:bodyPr>
-          <a:lstStyle/>
-          <a:p>
-            <a:pPr marL="36900" indent="0" algn="ctr">
-              <a:buNone/>
-            </a:pPr>
-            <a:r>
-              <a:rPr lang="en-US" b="1" i="1" u="sng" dirty="0"/>
-              <a:t>Ismael Elsharkawi </a:t>
-            </a:r>
-          </a:p>
-          <a:p>
-            <a:r>
-              <a:rPr lang="en-US" dirty="0"/>
-              <a:t>Built the Input Parser</a:t>
-            </a:r>
-          </a:p>
-          <a:p>
-            <a:r>
-              <a:rPr lang="en-US" dirty="0"/>
-              <a:t>Worked on some modifications in the A* Algorithm in python</a:t>
-            </a:r>
-          </a:p>
-          <a:p>
-            <a:r>
-              <a:rPr lang="en-US" dirty="0"/>
-              <a:t>Made the PNG drawer</a:t>
-            </a:r>
-          </a:p>
-          <a:p>
-            <a:r>
-              <a:rPr lang="en-US" dirty="0"/>
-              <a:t>Made the DEF and LEF parsers in python</a:t>
-            </a:r>
-          </a:p>
-          <a:p>
-            <a:endParaRPr lang="en-US" dirty="0"/>
-          </a:p>
-        </p:txBody>
-      </p:sp>
-      <p:sp>
-        <p:nvSpPr>
-          <p:cNvPr id="7" name="TextBox 6">
-            <a:extLst>
-              <a:ext uri="{FF2B5EF4-FFF2-40B4-BE49-F238E27FC236}">
-                <a16:creationId xmlns:a16="http://schemas.microsoft.com/office/drawing/2014/main" id="{13746093-DA34-4080-98EA-8683E4E33B70}"/>
-              </a:ext>
-            </a:extLst>
-          </p:cNvPr>
-          <p:cNvSpPr txBox="1"/>
-          <p:nvPr/>
-        </p:nvSpPr>
-        <p:spPr>
-          <a:xfrm>
-            <a:off x="4742014" y="2113772"/>
-            <a:ext cx="2697324" cy="4185761"/>
-          </a:xfrm>
-          <a:prstGeom prst="rect">
-            <a:avLst/>
-          </a:prstGeom>
-          <a:noFill/>
-        </p:spPr>
-        <p:txBody>
-          <a:bodyPr wrap="square" rtlCol="0">
-            <a:spAutoFit/>
-          </a:bodyPr>
-          <a:lstStyle/>
-          <a:p>
-            <a:pPr algn="ctr"/>
-            <a:r>
-              <a:rPr lang="en-US" sz="2300" b="1" i="1" u="sng" dirty="0">
-                <a:solidFill>
-                  <a:schemeClr val="tx2"/>
-                </a:solidFill>
-                <a:effectLst>
-                  <a:outerShdw blurRad="38100" dist="38100" dir="2700000" algn="tl">
-                    <a:srgbClr val="000000">
-                      <a:alpha val="43137"/>
-                    </a:srgbClr>
-                  </a:outerShdw>
-                </a:effectLst>
-              </a:rPr>
-              <a:t>Mahmoud Ahmed</a:t>
-            </a:r>
-          </a:p>
-          <a:p>
-            <a:pPr marL="285750" indent="-285750">
-              <a:buFont typeface="Courier New" panose="02070309020205020404" pitchFamily="49" charset="0"/>
-              <a:buChar char="o"/>
-            </a:pPr>
-            <a:r>
-              <a:rPr lang="en-US" sz="2300" dirty="0">
-                <a:solidFill>
-                  <a:schemeClr val="tx2"/>
-                </a:solidFill>
-                <a:effectLst>
-                  <a:outerShdw blurRad="38100" dist="38100" dir="2700000" algn="tl">
-                    <a:srgbClr val="000000">
-                      <a:alpha val="43137"/>
-                    </a:srgbClr>
-                  </a:outerShdw>
-                </a:effectLst>
-              </a:rPr>
-              <a:t>Built most of the A* algorithm and its classes including the pins, the nodes.</a:t>
-            </a:r>
-          </a:p>
-          <a:p>
-            <a:pPr marL="285750" indent="-285750">
-              <a:buFont typeface="Courier New" panose="02070309020205020404" pitchFamily="49" charset="0"/>
-              <a:buChar char="o"/>
-            </a:pPr>
-            <a:r>
-              <a:rPr lang="en-US" sz="2300" dirty="0">
-                <a:solidFill>
-                  <a:schemeClr val="tx2"/>
-                </a:solidFill>
-                <a:effectLst>
-                  <a:outerShdw blurRad="38100" dist="38100" dir="2700000" algn="tl">
-                    <a:srgbClr val="000000">
-                      <a:alpha val="43137"/>
-                    </a:srgbClr>
-                  </a:outerShdw>
-                </a:effectLst>
-              </a:rPr>
-              <a:t>Made most of the routing algorithm using the A* algorithm</a:t>
-            </a:r>
-          </a:p>
-          <a:p>
-            <a:endParaRPr lang="en-US" dirty="0">
-              <a:solidFill>
-                <a:schemeClr val="tx2"/>
-              </a:solidFill>
-            </a:endParaRPr>
-          </a:p>
-          <a:p>
-            <a:endParaRPr lang="en-US" dirty="0"/>
-          </a:p>
-        </p:txBody>
-      </p:sp>
-      <p:sp>
-        <p:nvSpPr>
-          <p:cNvPr id="9" name="TextBox 8">
-            <a:extLst>
-              <a:ext uri="{FF2B5EF4-FFF2-40B4-BE49-F238E27FC236}">
-                <a16:creationId xmlns:a16="http://schemas.microsoft.com/office/drawing/2014/main" id="{6E20F148-FD59-47EA-A382-B0276215219A}"/>
-              </a:ext>
-            </a:extLst>
-          </p:cNvPr>
-          <p:cNvSpPr txBox="1"/>
-          <p:nvPr/>
-        </p:nvSpPr>
-        <p:spPr>
-          <a:xfrm>
-            <a:off x="8514184" y="2225739"/>
-            <a:ext cx="2943808" cy="2923877"/>
-          </a:xfrm>
-          <a:prstGeom prst="rect">
-            <a:avLst/>
-          </a:prstGeom>
-          <a:noFill/>
-        </p:spPr>
-        <p:txBody>
-          <a:bodyPr wrap="square" rtlCol="0">
-            <a:spAutoFit/>
-          </a:bodyPr>
-          <a:lstStyle/>
-          <a:p>
-            <a:r>
-              <a:rPr lang="en-US" sz="2300" b="1" i="1" u="sng" dirty="0">
-                <a:solidFill>
-                  <a:schemeClr val="tx2"/>
-                </a:solidFill>
-                <a:effectLst>
-                  <a:outerShdw blurRad="38100" dist="38100" dir="2700000" algn="tl">
-                    <a:srgbClr val="000000">
-                      <a:alpha val="43137"/>
-                    </a:srgbClr>
-                  </a:outerShdw>
-                </a:effectLst>
-              </a:rPr>
-              <a:t>Mohamed </a:t>
-            </a:r>
-            <a:r>
-              <a:rPr lang="en-US" sz="2300" b="1" i="1" u="sng" dirty="0" err="1">
-                <a:solidFill>
-                  <a:schemeClr val="tx2"/>
-                </a:solidFill>
-                <a:effectLst>
-                  <a:outerShdw blurRad="38100" dist="38100" dir="2700000" algn="tl">
-                    <a:srgbClr val="000000">
-                      <a:alpha val="43137"/>
-                    </a:srgbClr>
-                  </a:outerShdw>
-                </a:effectLst>
-              </a:rPr>
-              <a:t>Hamouda</a:t>
-            </a:r>
-            <a:endParaRPr lang="en-US" sz="2300" b="1" i="1" u="sng" dirty="0">
-              <a:solidFill>
-                <a:schemeClr val="tx2"/>
-              </a:solidFill>
-              <a:effectLst>
-                <a:outerShdw blurRad="38100" dist="38100" dir="2700000" algn="tl">
-                  <a:srgbClr val="000000">
-                    <a:alpha val="43137"/>
-                  </a:srgbClr>
-                </a:outerShdw>
-              </a:effectLst>
-            </a:endParaRPr>
-          </a:p>
-          <a:p>
-            <a:pPr marL="285750" indent="-285750">
-              <a:buFont typeface="Wingdings" panose="05000000000000000000" pitchFamily="2" charset="2"/>
-              <a:buChar char="§"/>
-            </a:pPr>
-            <a:r>
-              <a:rPr lang="en-US" sz="2300" dirty="0">
-                <a:solidFill>
-                  <a:schemeClr val="tx2"/>
-                </a:solidFill>
-                <a:effectLst>
-                  <a:outerShdw blurRad="38100" dist="38100" dir="2700000" algn="tl">
-                    <a:srgbClr val="000000">
-                      <a:alpha val="43137"/>
-                    </a:srgbClr>
-                  </a:outerShdw>
-                </a:effectLst>
-              </a:rPr>
-              <a:t>Worked on the A* algorithm in C++ before switching to python, then worked on it with python.</a:t>
-            </a:r>
-          </a:p>
-          <a:p>
-            <a:pPr marL="285750" indent="-285750">
-              <a:buFont typeface="Wingdings" panose="05000000000000000000" pitchFamily="2" charset="2"/>
-              <a:buChar char="§"/>
-            </a:pPr>
-            <a:r>
-              <a:rPr lang="en-US" sz="2300" dirty="0">
-                <a:solidFill>
-                  <a:schemeClr val="tx2"/>
-                </a:solidFill>
-                <a:effectLst>
-                  <a:outerShdw blurRad="38100" dist="38100" dir="2700000" algn="tl">
-                    <a:srgbClr val="000000">
-                      <a:alpha val="43137"/>
-                    </a:srgbClr>
-                  </a:outerShdw>
-                </a:effectLst>
-              </a:rPr>
-              <a:t>Fixed some issues in the A* algorithm</a:t>
-            </a:r>
-          </a:p>
-        </p:txBody>
-      </p:sp>
-    </p:spTree>
-    <p:extLst>
-      <p:ext uri="{BB962C8B-B14F-4D97-AF65-F5344CB8AC3E}">
-        <p14:creationId xmlns:p14="http://schemas.microsoft.com/office/powerpoint/2010/main" val="3854361480"/>
-      </p:ext>
-    </p:extLst>
-  </p:cSld>
-  <p:clrMapOvr>
-    <a:masterClrMapping/>
-  </p:clrMapOvr>
-</p:sld>
-</file>
-
-<file path=ppt/slides/slide30.xml><?xml version="1.0" encoding="utf-8"?>
-<p:sld xmlns:a="http://schemas.openxmlformats.org/drawingml/2006/main" xmlns:r="http://schemas.openxmlformats.org/officeDocument/2006/relationships" xmlns:p="http://schemas.openxmlformats.org/presentationml/2006/main">
-  <p:cSld>
-    <p:spTree>
-      <p:nvGrpSpPr>
-        <p:cNvPr id="1" name=""/>
-        <p:cNvGrpSpPr/>
-        <p:nvPr/>
-      </p:nvGrpSpPr>
-      <p:grpSpPr>
-        <a:xfrm>
-          <a:off x="0" y="0"/>
-          <a:ext cx="0" cy="0"/>
-          <a:chOff x="0" y="0"/>
-          <a:chExt cx="0" cy="0"/>
-        </a:xfrm>
-      </p:grpSpPr>
-      <p:sp>
-        <p:nvSpPr>
-          <p:cNvPr id="2" name="Title 1">
-            <a:extLst>
-              <a:ext uri="{FF2B5EF4-FFF2-40B4-BE49-F238E27FC236}">
-                <a16:creationId xmlns:a16="http://schemas.microsoft.com/office/drawing/2014/main" id="{026AB218-FAB6-4250-8192-112E14450B94}"/>
-              </a:ext>
-            </a:extLst>
-          </p:cNvPr>
-          <p:cNvSpPr>
-            <a:spLocks noGrp="1"/>
-          </p:cNvSpPr>
-          <p:nvPr>
-            <p:ph type="title"/>
-          </p:nvPr>
-        </p:nvSpPr>
-        <p:spPr/>
-        <p:txBody>
-          <a:bodyPr/>
-          <a:lstStyle/>
-          <a:p>
-            <a:r>
-              <a:rPr lang="en-US" dirty="0"/>
-              <a:t>Example Runs </a:t>
-            </a:r>
-          </a:p>
-        </p:txBody>
-      </p:sp>
-      <p:sp>
-        <p:nvSpPr>
-          <p:cNvPr id="3" name="Content Placeholder 2">
-            <a:extLst>
-              <a:ext uri="{FF2B5EF4-FFF2-40B4-BE49-F238E27FC236}">
-                <a16:creationId xmlns:a16="http://schemas.microsoft.com/office/drawing/2014/main" id="{7A14795C-689A-4842-A878-0A0421399C00}"/>
-              </a:ext>
-            </a:extLst>
-          </p:cNvPr>
-          <p:cNvSpPr>
-            <a:spLocks noGrp="1"/>
-          </p:cNvSpPr>
-          <p:nvPr>
-            <p:ph idx="1"/>
-          </p:nvPr>
-        </p:nvSpPr>
-        <p:spPr/>
-        <p:txBody>
-          <a:bodyPr/>
-          <a:lstStyle/>
-          <a:p>
-            <a:r>
-              <a:rPr lang="en-US" dirty="0"/>
-              <a:t>This is the input file </a:t>
-            </a:r>
-          </a:p>
-          <a:p>
-            <a:r>
-              <a:rPr lang="en-US" dirty="0"/>
-              <a:t>The output </a:t>
-            </a:r>
-            <a:r>
-              <a:rPr lang="en-US" dirty="0" err="1"/>
-              <a:t>png</a:t>
-            </a:r>
-            <a:r>
-              <a:rPr lang="en-US" dirty="0"/>
-              <a:t> images are shown in the following slides, one layer in each slide. </a:t>
-            </a:r>
-          </a:p>
-          <a:p>
-            <a:r>
-              <a:rPr lang="en-US" dirty="0"/>
-              <a:t>This is path of the output of the sample</a:t>
-            </a:r>
-          </a:p>
-          <a:p>
-            <a:endParaRPr lang="en-US" dirty="0"/>
-          </a:p>
-        </p:txBody>
-      </p:sp>
-      <p:pic>
-        <p:nvPicPr>
-          <p:cNvPr id="5" name="Picture 4">
-            <a:extLst>
-              <a:ext uri="{FF2B5EF4-FFF2-40B4-BE49-F238E27FC236}">
-                <a16:creationId xmlns:a16="http://schemas.microsoft.com/office/drawing/2014/main" id="{6C0381CF-7E62-4478-803D-EAAEE10AEB2E}"/>
-              </a:ext>
-            </a:extLst>
-          </p:cNvPr>
-          <p:cNvPicPr>
-            <a:picLocks noChangeAspect="1"/>
-          </p:cNvPicPr>
-          <p:nvPr/>
-        </p:nvPicPr>
-        <p:blipFill>
-          <a:blip r:embed="rId2"/>
-          <a:stretch>
-            <a:fillRect/>
-          </a:stretch>
-        </p:blipFill>
-        <p:spPr>
-          <a:xfrm>
-            <a:off x="5814209" y="1943122"/>
-            <a:ext cx="4772025" cy="704850"/>
-          </a:xfrm>
-          <a:prstGeom prst="rect">
-            <a:avLst/>
-          </a:prstGeom>
-        </p:spPr>
-      </p:pic>
-      <p:pic>
-        <p:nvPicPr>
-          <p:cNvPr id="7" name="Picture 6">
-            <a:extLst>
-              <a:ext uri="{FF2B5EF4-FFF2-40B4-BE49-F238E27FC236}">
-                <a16:creationId xmlns:a16="http://schemas.microsoft.com/office/drawing/2014/main" id="{E2AB88A0-5B89-4A7C-A87E-641D9D16923F}"/>
-              </a:ext>
-            </a:extLst>
-          </p:cNvPr>
-          <p:cNvPicPr>
-            <a:picLocks noChangeAspect="1"/>
-          </p:cNvPicPr>
-          <p:nvPr/>
-        </p:nvPicPr>
-        <p:blipFill>
-          <a:blip r:embed="rId3"/>
-          <a:stretch>
-            <a:fillRect/>
-          </a:stretch>
-        </p:blipFill>
-        <p:spPr>
-          <a:xfrm>
-            <a:off x="847207" y="3870324"/>
-            <a:ext cx="10420350" cy="2571750"/>
-          </a:xfrm>
-          <a:prstGeom prst="rect">
-            <a:avLst/>
-          </a:prstGeom>
-        </p:spPr>
-      </p:pic>
-    </p:spTree>
-    <p:extLst>
-      <p:ext uri="{BB962C8B-B14F-4D97-AF65-F5344CB8AC3E}">
-        <p14:creationId xmlns:p14="http://schemas.microsoft.com/office/powerpoint/2010/main" val="4290410916"/>
-      </p:ext>
-    </p:extLst>
-  </p:cSld>
-  <p:clrMapOvr>
-    <a:masterClrMapping/>
-  </p:clrMapOvr>
-</p:sld>
-</file>
-
 <file path=ppt/slides/slide31.xml><?xml version="1.0" encoding="utf-8"?>
 <p:sld xmlns:a="http://schemas.openxmlformats.org/drawingml/2006/main" xmlns:r="http://schemas.openxmlformats.org/officeDocument/2006/relationships" xmlns:p="http://schemas.openxmlformats.org/presentationml/2006/main">
   <p:cSld>
@@ -11014,7 +11015,7 @@
           <p:cNvPr id="2" name="Title 1">
             <a:extLst>
               <a:ext uri="{FF2B5EF4-FFF2-40B4-BE49-F238E27FC236}">
-                <a16:creationId xmlns:a16="http://schemas.microsoft.com/office/drawing/2014/main" id="{49AAA2A6-56BB-4C71-AE5B-FC45A6568DD7}"/>
+                <a16:creationId xmlns:a16="http://schemas.microsoft.com/office/drawing/2014/main" id="{026AB218-FAB6-4250-8192-112E14450B94}"/>
               </a:ext>
             </a:extLst>
           </p:cNvPr>
@@ -11030,30 +11031,77 @@
           <a:bodyPr/>
           <a:lstStyle/>
           <a:p>
-            <a:pPr algn="l"/>
-            <a:r>
-              <a:rPr lang="en-US"/>
-              <a:t>Layer 1</a:t>
-            </a:r>
+            <a:r>
+              <a:rPr lang="en-US" dirty="0"/>
+              <a:t>Example Runs </a:t>
+            </a:r>
+          </a:p>
+        </p:txBody>
+      </p:sp>
+      <p:sp>
+        <p:nvSpPr>
+          <p:cNvPr id="3" name="Content Placeholder 2">
+            <a:extLst>
+              <a:ext uri="{FF2B5EF4-FFF2-40B4-BE49-F238E27FC236}">
+                <a16:creationId xmlns:a16="http://schemas.microsoft.com/office/drawing/2014/main" id="{7A14795C-689A-4842-A878-0A0421399C00}"/>
+              </a:ext>
+            </a:extLst>
+          </p:cNvPr>
+          <p:cNvSpPr>
+            <a:spLocks noGrp="1"/>
+          </p:cNvSpPr>
+          <p:nvPr>
+            <p:ph idx="1"/>
+          </p:nvPr>
+        </p:nvSpPr>
+        <p:spPr/>
+        <p:txBody>
+          <a:bodyPr/>
+          <a:lstStyle/>
+          <a:p>
+            <a:r>
+              <a:rPr lang="en-US" dirty="0"/>
+              <a:t>This is the input file </a:t>
+            </a:r>
+          </a:p>
+          <a:p>
+            <a:r>
+              <a:rPr lang="en-US" dirty="0"/>
+              <a:t>The output </a:t>
+            </a:r>
+            <a:r>
+              <a:rPr lang="en-US" dirty="0" err="1"/>
+              <a:t>png</a:t>
+            </a:r>
+            <a:r>
+              <a:rPr lang="en-US" dirty="0"/>
+              <a:t> images are shown in the following slides, one layer in each slide. </a:t>
+            </a:r>
+          </a:p>
+          <a:p>
+            <a:r>
+              <a:rPr lang="en-US" dirty="0"/>
+              <a:t>This is path of the output of the sample</a:t>
+            </a:r>
+          </a:p>
+          <a:p>
             <a:endParaRPr lang="en-US" dirty="0"/>
           </a:p>
         </p:txBody>
       </p:sp>
       <p:pic>
         <p:nvPicPr>
-          <p:cNvPr id="11" name="Content Placeholder 10" descr="A picture containing bird&#10;&#10;Description automatically generated">
+          <p:cNvPr id="5" name="Picture 4">
             <a:extLst>
               <a:ext uri="{FF2B5EF4-FFF2-40B4-BE49-F238E27FC236}">
-                <a16:creationId xmlns:a16="http://schemas.microsoft.com/office/drawing/2014/main" id="{DAD7E129-4A23-4467-8CCA-5634435812E1}"/>
+                <a16:creationId xmlns:a16="http://schemas.microsoft.com/office/drawing/2014/main" id="{6C0381CF-7E62-4478-803D-EAAEE10AEB2E}"/>
               </a:ext>
             </a:extLst>
           </p:cNvPr>
           <p:cNvPicPr>
-            <a:picLocks noGrp="1" noChangeAspect="1"/>
+            <a:picLocks noChangeAspect="1"/>
           </p:cNvPicPr>
-          <p:nvPr>
-            <p:ph idx="1"/>
-          </p:nvPr>
+          <p:nvPr/>
         </p:nvPicPr>
         <p:blipFill>
           <a:blip r:embed="rId2"/>
@@ -11063,15 +11111,48 @@
         </p:blipFill>
         <p:spPr>
           <a:xfrm>
-            <a:off x="4932361" y="9524"/>
-            <a:ext cx="6848475" cy="6848475"/>
-          </a:xfrm>
+            <a:off x="5814209" y="1943122"/>
+            <a:ext cx="4772025" cy="704850"/>
+          </a:xfrm>
+          <a:prstGeom prst="rect">
+            <a:avLst/>
+          </a:prstGeom>
+        </p:spPr>
+      </p:pic>
+      <p:pic>
+        <p:nvPicPr>
+          <p:cNvPr id="7" name="Picture 6">
+            <a:extLst>
+              <a:ext uri="{FF2B5EF4-FFF2-40B4-BE49-F238E27FC236}">
+                <a16:creationId xmlns:a16="http://schemas.microsoft.com/office/drawing/2014/main" id="{E2AB88A0-5B89-4A7C-A87E-641D9D16923F}"/>
+              </a:ext>
+            </a:extLst>
+          </p:cNvPr>
+          <p:cNvPicPr>
+            <a:picLocks noChangeAspect="1"/>
+          </p:cNvPicPr>
+          <p:nvPr/>
+        </p:nvPicPr>
+        <p:blipFill>
+          <a:blip r:embed="rId3"/>
+          <a:stretch>
+            <a:fillRect/>
+          </a:stretch>
+        </p:blipFill>
+        <p:spPr>
+          <a:xfrm>
+            <a:off x="847207" y="3870324"/>
+            <a:ext cx="10420350" cy="2571750"/>
+          </a:xfrm>
+          <a:prstGeom prst="rect">
+            <a:avLst/>
+          </a:prstGeom>
         </p:spPr>
       </p:pic>
     </p:spTree>
     <p:extLst>
       <p:ext uri="{BB962C8B-B14F-4D97-AF65-F5344CB8AC3E}">
-        <p14:creationId xmlns:p14="http://schemas.microsoft.com/office/powerpoint/2010/main" val="154937118"/>
+        <p14:creationId xmlns:p14="http://schemas.microsoft.com/office/powerpoint/2010/main" val="4290410916"/>
       </p:ext>
     </p:extLst>
   </p:cSld>
@@ -11103,6 +11184,95 @@
           <p:cNvPr id="2" name="Title 1">
             <a:extLst>
               <a:ext uri="{FF2B5EF4-FFF2-40B4-BE49-F238E27FC236}">
+                <a16:creationId xmlns:a16="http://schemas.microsoft.com/office/drawing/2014/main" id="{49AAA2A6-56BB-4C71-AE5B-FC45A6568DD7}"/>
+              </a:ext>
+            </a:extLst>
+          </p:cNvPr>
+          <p:cNvSpPr>
+            <a:spLocks noGrp="1"/>
+          </p:cNvSpPr>
+          <p:nvPr>
+            <p:ph type="title"/>
+          </p:nvPr>
+        </p:nvSpPr>
+        <p:spPr/>
+        <p:txBody>
+          <a:bodyPr/>
+          <a:lstStyle/>
+          <a:p>
+            <a:pPr algn="l"/>
+            <a:r>
+              <a:rPr lang="en-US"/>
+              <a:t>Layer 1</a:t>
+            </a:r>
+            <a:endParaRPr lang="en-US" dirty="0"/>
+          </a:p>
+        </p:txBody>
+      </p:sp>
+      <p:pic>
+        <p:nvPicPr>
+          <p:cNvPr id="11" name="Content Placeholder 10" descr="A picture containing bird&#10;&#10;Description automatically generated">
+            <a:extLst>
+              <a:ext uri="{FF2B5EF4-FFF2-40B4-BE49-F238E27FC236}">
+                <a16:creationId xmlns:a16="http://schemas.microsoft.com/office/drawing/2014/main" id="{DAD7E129-4A23-4467-8CCA-5634435812E1}"/>
+              </a:ext>
+            </a:extLst>
+          </p:cNvPr>
+          <p:cNvPicPr>
+            <a:picLocks noGrp="1" noChangeAspect="1"/>
+          </p:cNvPicPr>
+          <p:nvPr>
+            <p:ph idx="1"/>
+          </p:nvPr>
+        </p:nvPicPr>
+        <p:blipFill>
+          <a:blip r:embed="rId2"/>
+          <a:stretch>
+            <a:fillRect/>
+          </a:stretch>
+        </p:blipFill>
+        <p:spPr>
+          <a:xfrm>
+            <a:off x="4932361" y="9524"/>
+            <a:ext cx="6848475" cy="6848475"/>
+          </a:xfrm>
+        </p:spPr>
+      </p:pic>
+    </p:spTree>
+    <p:extLst>
+      <p:ext uri="{BB962C8B-B14F-4D97-AF65-F5344CB8AC3E}">
+        <p14:creationId xmlns:p14="http://schemas.microsoft.com/office/powerpoint/2010/main" val="154937118"/>
+      </p:ext>
+    </p:extLst>
+  </p:cSld>
+  <p:clrMapOvr>
+    <a:masterClrMapping/>
+  </p:clrMapOvr>
+</p:sld>
+</file>
+
+<file path=ppt/slides/slide33.xml><?xml version="1.0" encoding="utf-8"?>
+<p:sld xmlns:a="http://schemas.openxmlformats.org/drawingml/2006/main" xmlns:r="http://schemas.openxmlformats.org/officeDocument/2006/relationships" xmlns:p="http://schemas.openxmlformats.org/presentationml/2006/main">
+  <p:cSld>
+    <p:spTree>
+      <p:nvGrpSpPr>
+        <p:cNvPr id="1" name=""/>
+        <p:cNvGrpSpPr/>
+        <p:nvPr/>
+      </p:nvGrpSpPr>
+      <p:grpSpPr>
+        <a:xfrm>
+          <a:off x="0" y="0"/>
+          <a:ext cx="0" cy="0"/>
+          <a:chOff x="0" y="0"/>
+          <a:chExt cx="0" cy="0"/>
+        </a:xfrm>
+      </p:grpSpPr>
+      <p:sp>
+        <p:nvSpPr>
+          <p:cNvPr id="2" name="Title 1">
+            <a:extLst>
+              <a:ext uri="{FF2B5EF4-FFF2-40B4-BE49-F238E27FC236}">
                 <a16:creationId xmlns:a16="http://schemas.microsoft.com/office/drawing/2014/main" id="{96C4754C-F3E6-4930-9DDE-2AEEC9353AAD}"/>
               </a:ext>
             </a:extLst>
@@ -11169,7 +11339,7 @@
 </p:sld>
 </file>
 
-<file path=ppt/slides/slide33.xml><?xml version="1.0" encoding="utf-8"?>
+<file path=ppt/slides/slide34.xml><?xml version="1.0" encoding="utf-8"?>
 <p:sld xmlns:a="http://schemas.openxmlformats.org/drawingml/2006/main" xmlns:r="http://schemas.openxmlformats.org/officeDocument/2006/relationships" xmlns:p="http://schemas.openxmlformats.org/presentationml/2006/main">
   <p:cSld>
     <p:bg>
@@ -11385,7 +11555,7 @@
 </p:sld>
 </file>
 
-<file path=ppt/slides/slide34.xml><?xml version="1.0" encoding="utf-8"?>
+<file path=ppt/slides/slide35.xml><?xml version="1.0" encoding="utf-8"?>
 <p:sld xmlns:a="http://schemas.openxmlformats.org/drawingml/2006/main" xmlns:r="http://schemas.openxmlformats.org/officeDocument/2006/relationships" xmlns:p="http://schemas.openxmlformats.org/presentationml/2006/main">
   <p:cSld>
     <p:spTree>
@@ -11477,7 +11647,7 @@
 </p:sld>
 </file>
 
-<file path=ppt/slides/slide35.xml><?xml version="1.0" encoding="utf-8"?>
+<file path=ppt/slides/slide36.xml><?xml version="1.0" encoding="utf-8"?>
 <p:sld xmlns:a="http://schemas.openxmlformats.org/drawingml/2006/main" xmlns:r="http://schemas.openxmlformats.org/officeDocument/2006/relationships" xmlns:p="http://schemas.openxmlformats.org/presentationml/2006/main">
   <p:cSld>
     <p:spTree>
@@ -12277,7 +12447,7 @@
           <p:cNvPr id="2" name="Title 1">
             <a:extLst>
               <a:ext uri="{FF2B5EF4-FFF2-40B4-BE49-F238E27FC236}">
-                <a16:creationId xmlns:a16="http://schemas.microsoft.com/office/drawing/2014/main" id="{026AB218-FAB6-4250-8192-112E14450B94}"/>
+                <a16:creationId xmlns:a16="http://schemas.microsoft.com/office/drawing/2014/main" id="{5E407942-4996-4D7B-A20C-9408EC23AF7B}"/>
               </a:ext>
             </a:extLst>
           </p:cNvPr>
@@ -12295,7 +12465,7 @@
           <a:p>
             <a:r>
               <a:rPr lang="en-US" dirty="0"/>
-              <a:t>Example Runs </a:t>
+              <a:t>LEF and DEF formats parsing</a:t>
             </a:r>
           </a:p>
         </p:txBody>
@@ -12305,7 +12475,7 @@
           <p:cNvPr id="3" name="Content Placeholder 2">
             <a:extLst>
               <a:ext uri="{FF2B5EF4-FFF2-40B4-BE49-F238E27FC236}">
-                <a16:creationId xmlns:a16="http://schemas.microsoft.com/office/drawing/2014/main" id="{7A14795C-689A-4842-A878-0A0421399C00}"/>
+                <a16:creationId xmlns:a16="http://schemas.microsoft.com/office/drawing/2014/main" id="{D04871DA-A860-430E-A8B3-3A0AD3381B7A}"/>
               </a:ext>
             </a:extLst>
           </p:cNvPr>
@@ -12323,98 +12493,48 @@
           <a:p>
             <a:r>
               <a:rPr lang="en-US" dirty="0"/>
-              <a:t>This is the input file </a:t>
-            </a:r>
-          </a:p>
-          <a:p>
-            <a:r>
-              <a:rPr lang="en-US" dirty="0"/>
-              <a:t>The output </a:t>
-            </a:r>
-            <a:r>
-              <a:rPr lang="en-US" dirty="0" err="1"/>
-              <a:t>png</a:t>
-            </a:r>
-            <a:r>
-              <a:rPr lang="en-US" dirty="0"/>
-              <a:t> images are shown in the following slides, one layer in each slide. </a:t>
-            </a:r>
-          </a:p>
-          <a:p>
-            <a:r>
-              <a:rPr lang="en-US" dirty="0"/>
-              <a:t>This is the output of the sample</a:t>
-            </a:r>
-          </a:p>
-          <a:p>
-            <a:endParaRPr lang="en-US" dirty="0"/>
-          </a:p>
-        </p:txBody>
-      </p:sp>
-      <p:pic>
-        <p:nvPicPr>
-          <p:cNvPr id="5" name="Picture 4">
-            <a:extLst>
-              <a:ext uri="{FF2B5EF4-FFF2-40B4-BE49-F238E27FC236}">
-                <a16:creationId xmlns:a16="http://schemas.microsoft.com/office/drawing/2014/main" id="{3F07C974-0078-4EE1-803B-31C651B9FE7A}"/>
-              </a:ext>
-            </a:extLst>
-          </p:cNvPr>
-          <p:cNvPicPr>
-            <a:picLocks noChangeAspect="1"/>
-          </p:cNvPicPr>
-          <p:nvPr/>
-        </p:nvPicPr>
-        <p:blipFill>
-          <a:blip r:embed="rId2"/>
-          <a:stretch>
-            <a:fillRect/>
-          </a:stretch>
-        </p:blipFill>
-        <p:spPr>
-          <a:xfrm>
-            <a:off x="6494883" y="2137099"/>
-            <a:ext cx="3886200" cy="476250"/>
-          </a:xfrm>
-          <a:prstGeom prst="rect">
-            <a:avLst/>
-          </a:prstGeom>
-        </p:spPr>
-      </p:pic>
-      <p:pic>
-        <p:nvPicPr>
-          <p:cNvPr id="4" name="Picture 3">
-            <a:extLst>
-              <a:ext uri="{FF2B5EF4-FFF2-40B4-BE49-F238E27FC236}">
-                <a16:creationId xmlns:a16="http://schemas.microsoft.com/office/drawing/2014/main" id="{C8329712-E6C7-4A69-927A-89541D8C230E}"/>
-              </a:ext>
-            </a:extLst>
-          </p:cNvPr>
-          <p:cNvPicPr>
-            <a:picLocks noChangeAspect="1"/>
-          </p:cNvPicPr>
-          <p:nvPr/>
-        </p:nvPicPr>
-        <p:blipFill>
-          <a:blip r:embed="rId3"/>
-          <a:stretch>
-            <a:fillRect/>
-          </a:stretch>
-        </p:blipFill>
-        <p:spPr>
-          <a:xfrm>
-            <a:off x="297455" y="3602516"/>
-            <a:ext cx="11347374" cy="3233451"/>
-          </a:xfrm>
-          <a:prstGeom prst="rect">
-            <a:avLst/>
-          </a:prstGeom>
-        </p:spPr>
-      </p:pic>
+              <a:t>Open-source Parser</a:t>
+            </a:r>
+          </a:p>
+          <a:p>
+            <a:pPr lvl="1"/>
+            <a:r>
+              <a:rPr lang="en-US" dirty="0">
+                <a:solidFill>
+                  <a:schemeClr val="tx1"/>
+                </a:solidFill>
+                <a:hlinkClick r:id="rId2">
+                  <a:extLst>
+                    <a:ext uri="{A12FA001-AC4F-418D-AE19-62706E023703}">
+                      <ahyp:hlinkClr xmlns:ahyp="http://schemas.microsoft.com/office/drawing/2018/hyperlinkcolor" val="tx"/>
+                    </a:ext>
+                  </a:extLst>
+                </a:hlinkClick>
+              </a:rPr>
+              <a:t>https://github.com/trimcao/lef-parser</a:t>
+            </a:r>
+            <a:endParaRPr lang="en-US" dirty="0">
+              <a:solidFill>
+                <a:schemeClr val="tx1"/>
+              </a:solidFill>
+            </a:endParaRPr>
+          </a:p>
+          <a:p>
+            <a:r>
+              <a:rPr lang="en-US" dirty="0">
+                <a:solidFill>
+                  <a:schemeClr val="tx1"/>
+                </a:solidFill>
+              </a:rPr>
+              <a:t>Generated the needed input from the parsed data</a:t>
+            </a:r>
+          </a:p>
+        </p:txBody>
+      </p:sp>
     </p:spTree>
     <p:extLst>
       <p:ext uri="{BB962C8B-B14F-4D97-AF65-F5344CB8AC3E}">
-        <p14:creationId xmlns:p14="http://schemas.microsoft.com/office/powerpoint/2010/main" val="3289350808"/>
+        <p14:creationId xmlns:p14="http://schemas.microsoft.com/office/powerpoint/2010/main" val="1026650296"/>
       </p:ext>
     </p:extLst>
   </p:cSld>
